--- a/Presentation.pptx
+++ b/Presentation.pptx
@@ -7,8 +7,14 @@
   <p:sldIdLst>
     <p:sldId id="256" r:id="rId2"/>
     <p:sldId id="257" r:id="rId3"/>
-    <p:sldId id="258" r:id="rId4"/>
-    <p:sldId id="259" r:id="rId5"/>
+    <p:sldId id="259" r:id="rId4"/>
+    <p:sldId id="260" r:id="rId5"/>
+    <p:sldId id="261" r:id="rId6"/>
+    <p:sldId id="258" r:id="rId7"/>
+    <p:sldId id="262" r:id="rId8"/>
+    <p:sldId id="265" r:id="rId9"/>
+    <p:sldId id="263" r:id="rId10"/>
+    <p:sldId id="264" r:id="rId11"/>
   </p:sldIdLst>
   <p:sldSz cx="12192000" cy="6858000"/>
   <p:notesSz cx="6858000" cy="9144000"/>
@@ -107,7 +113,225 @@
       </a:defRPr>
     </a:lvl9pPr>
   </p:defaultTextStyle>
+  <p:extLst>
+    <p:ext uri="{EFAFB233-063F-42B5-8137-9DF3F51BA10A}">
+      <p15:sldGuideLst xmlns:p15="http://schemas.microsoft.com/office/powerpoint/2012/main"/>
+    </p:ext>
+  </p:extLst>
 </p:presentation>
+</file>
+
+<file path=ppt/revisionInfo.xml><?xml version="1.0" encoding="utf-8"?>
+<p1510:revInfo xmlns:a="http://schemas.openxmlformats.org/drawingml/2006/main" xmlns:r="http://schemas.openxmlformats.org/officeDocument/2006/relationships" xmlns:p1510="http://schemas.microsoft.com/office/powerpoint/2015/10/main">
+  <p1510:revLst>
+    <p1510:client id="{4052E6BD-5E0E-4D14-ABCB-5B4A4E32484D}" v="2" dt="2021-03-05T21:42:46.667"/>
+  </p1510:revLst>
+</p1510:revInfo>
+</file>
+
+<file path=ppt/changesInfos/changesInfo1.xml><?xml version="1.0" encoding="utf-8"?>
+<pc:chgInfo xmlns:a="http://schemas.openxmlformats.org/drawingml/2006/main" xmlns:r="http://schemas.openxmlformats.org/officeDocument/2006/relationships" xmlns:ac="http://schemas.microsoft.com/office/drawing/2013/main/command" xmlns:pc="http://schemas.microsoft.com/office/powerpoint/2013/main/command">
+  <pc:docChgLst>
+    <pc:chgData name="Kevin Gray" userId="91d44a80e12699df" providerId="LiveId" clId="{4052E6BD-5E0E-4D14-ABCB-5B4A4E32484D}"/>
+    <pc:docChg chg="undo custSel addSld delSld modSld sldOrd">
+      <pc:chgData name="Kevin Gray" userId="91d44a80e12699df" providerId="LiveId" clId="{4052E6BD-5E0E-4D14-ABCB-5B4A4E32484D}" dt="2021-03-05T22:04:49.327" v="1557" actId="20577"/>
+      <pc:docMkLst>
+        <pc:docMk/>
+      </pc:docMkLst>
+      <pc:sldChg chg="modSp mod ord">
+        <pc:chgData name="Kevin Gray" userId="91d44a80e12699df" providerId="LiveId" clId="{4052E6BD-5E0E-4D14-ABCB-5B4A4E32484D}" dt="2021-03-05T21:44:33.626" v="1058" actId="20577"/>
+        <pc:sldMkLst>
+          <pc:docMk/>
+          <pc:sldMk cId="3688840791" sldId="258"/>
+        </pc:sldMkLst>
+        <pc:spChg chg="mod">
+          <ac:chgData name="Kevin Gray" userId="91d44a80e12699df" providerId="LiveId" clId="{4052E6BD-5E0E-4D14-ABCB-5B4A4E32484D}" dt="2021-03-05T21:44:33.626" v="1058" actId="20577"/>
+          <ac:spMkLst>
+            <pc:docMk/>
+            <pc:sldMk cId="3688840791" sldId="258"/>
+            <ac:spMk id="2" creationId="{453E0CE5-D36E-43F8-B706-780D4C0BC3A4}"/>
+          </ac:spMkLst>
+        </pc:spChg>
+      </pc:sldChg>
+      <pc:sldChg chg="modSp mod">
+        <pc:chgData name="Kevin Gray" userId="91d44a80e12699df" providerId="LiveId" clId="{4052E6BD-5E0E-4D14-ABCB-5B4A4E32484D}" dt="2021-03-05T21:32:12.406" v="72" actId="20577"/>
+        <pc:sldMkLst>
+          <pc:docMk/>
+          <pc:sldMk cId="3529716458" sldId="259"/>
+        </pc:sldMkLst>
+        <pc:spChg chg="mod">
+          <ac:chgData name="Kevin Gray" userId="91d44a80e12699df" providerId="LiveId" clId="{4052E6BD-5E0E-4D14-ABCB-5B4A4E32484D}" dt="2021-03-05T21:31:51.184" v="19" actId="20577"/>
+          <ac:spMkLst>
+            <pc:docMk/>
+            <pc:sldMk cId="3529716458" sldId="259"/>
+            <ac:spMk id="2" creationId="{453E0CE5-D36E-43F8-B706-780D4C0BC3A4}"/>
+          </ac:spMkLst>
+        </pc:spChg>
+        <pc:spChg chg="mod">
+          <ac:chgData name="Kevin Gray" userId="91d44a80e12699df" providerId="LiveId" clId="{4052E6BD-5E0E-4D14-ABCB-5B4A4E32484D}" dt="2021-03-05T21:32:12.406" v="72" actId="20577"/>
+          <ac:spMkLst>
+            <pc:docMk/>
+            <pc:sldMk cId="3529716458" sldId="259"/>
+            <ac:spMk id="3" creationId="{8E516A47-C12D-4A30-A858-1098C543DC33}"/>
+          </ac:spMkLst>
+        </pc:spChg>
+      </pc:sldChg>
+      <pc:sldChg chg="new del">
+        <pc:chgData name="Kevin Gray" userId="91d44a80e12699df" providerId="LiveId" clId="{4052E6BD-5E0E-4D14-ABCB-5B4A4E32484D}" dt="2021-03-05T21:32:22.846" v="74" actId="680"/>
+        <pc:sldMkLst>
+          <pc:docMk/>
+          <pc:sldMk cId="3144701408" sldId="260"/>
+        </pc:sldMkLst>
+      </pc:sldChg>
+      <pc:sldChg chg="addSp delSp modSp add mod">
+        <pc:chgData name="Kevin Gray" userId="91d44a80e12699df" providerId="LiveId" clId="{4052E6BD-5E0E-4D14-ABCB-5B4A4E32484D}" dt="2021-03-05T21:44:22.325" v="1057" actId="1076"/>
+        <pc:sldMkLst>
+          <pc:docMk/>
+          <pc:sldMk cId="3688310994" sldId="260"/>
+        </pc:sldMkLst>
+        <pc:spChg chg="mod">
+          <ac:chgData name="Kevin Gray" userId="91d44a80e12699df" providerId="LiveId" clId="{4052E6BD-5E0E-4D14-ABCB-5B4A4E32484D}" dt="2021-03-05T21:32:53.815" v="107" actId="20577"/>
+          <ac:spMkLst>
+            <pc:docMk/>
+            <pc:sldMk cId="3688310994" sldId="260"/>
+            <ac:spMk id="2" creationId="{453E0CE5-D36E-43F8-B706-780D4C0BC3A4}"/>
+          </ac:spMkLst>
+        </pc:spChg>
+        <pc:spChg chg="mod">
+          <ac:chgData name="Kevin Gray" userId="91d44a80e12699df" providerId="LiveId" clId="{4052E6BD-5E0E-4D14-ABCB-5B4A4E32484D}" dt="2021-03-05T21:44:12.837" v="1055" actId="20577"/>
+          <ac:spMkLst>
+            <pc:docMk/>
+            <pc:sldMk cId="3688310994" sldId="260"/>
+            <ac:spMk id="3" creationId="{8E516A47-C12D-4A30-A858-1098C543DC33}"/>
+          </ac:spMkLst>
+        </pc:spChg>
+        <pc:picChg chg="add del mod">
+          <ac:chgData name="Kevin Gray" userId="91d44a80e12699df" providerId="LiveId" clId="{4052E6BD-5E0E-4D14-ABCB-5B4A4E32484D}" dt="2021-03-05T21:42:39.677" v="924" actId="21"/>
+          <ac:picMkLst>
+            <pc:docMk/>
+            <pc:sldMk cId="3688310994" sldId="260"/>
+            <ac:picMk id="5" creationId="{759E2347-3DDA-4E1D-A9A3-6DAD859537A6}"/>
+          </ac:picMkLst>
+        </pc:picChg>
+        <pc:picChg chg="add mod">
+          <ac:chgData name="Kevin Gray" userId="91d44a80e12699df" providerId="LiveId" clId="{4052E6BD-5E0E-4D14-ABCB-5B4A4E32484D}" dt="2021-03-05T21:44:22.325" v="1057" actId="1076"/>
+          <ac:picMkLst>
+            <pc:docMk/>
+            <pc:sldMk cId="3688310994" sldId="260"/>
+            <ac:picMk id="7" creationId="{E43ABD7D-B097-4CF5-9A4B-1352775B558B}"/>
+          </ac:picMkLst>
+        </pc:picChg>
+      </pc:sldChg>
+      <pc:sldChg chg="modSp add mod">
+        <pc:chgData name="Kevin Gray" userId="91d44a80e12699df" providerId="LiveId" clId="{4052E6BD-5E0E-4D14-ABCB-5B4A4E32484D}" dt="2021-03-05T21:39:09.038" v="915" actId="20577"/>
+        <pc:sldMkLst>
+          <pc:docMk/>
+          <pc:sldMk cId="705752475" sldId="261"/>
+        </pc:sldMkLst>
+        <pc:spChg chg="mod">
+          <ac:chgData name="Kevin Gray" userId="91d44a80e12699df" providerId="LiveId" clId="{4052E6BD-5E0E-4D14-ABCB-5B4A4E32484D}" dt="2021-03-05T21:36:09.092" v="514" actId="20577"/>
+          <ac:spMkLst>
+            <pc:docMk/>
+            <pc:sldMk cId="705752475" sldId="261"/>
+            <ac:spMk id="2" creationId="{453E0CE5-D36E-43F8-B706-780D4C0BC3A4}"/>
+          </ac:spMkLst>
+        </pc:spChg>
+        <pc:spChg chg="mod">
+          <ac:chgData name="Kevin Gray" userId="91d44a80e12699df" providerId="LiveId" clId="{4052E6BD-5E0E-4D14-ABCB-5B4A4E32484D}" dt="2021-03-05T21:39:09.038" v="915" actId="20577"/>
+          <ac:spMkLst>
+            <pc:docMk/>
+            <pc:sldMk cId="705752475" sldId="261"/>
+            <ac:spMk id="3" creationId="{8E516A47-C12D-4A30-A858-1098C543DC33}"/>
+          </ac:spMkLst>
+        </pc:spChg>
+      </pc:sldChg>
+      <pc:sldChg chg="modSp add mod">
+        <pc:chgData name="Kevin Gray" userId="91d44a80e12699df" providerId="LiveId" clId="{4052E6BD-5E0E-4D14-ABCB-5B4A4E32484D}" dt="2021-03-05T22:01:27.289" v="1372"/>
+        <pc:sldMkLst>
+          <pc:docMk/>
+          <pc:sldMk cId="2681568414" sldId="262"/>
+        </pc:sldMkLst>
+        <pc:spChg chg="mod">
+          <ac:chgData name="Kevin Gray" userId="91d44a80e12699df" providerId="LiveId" clId="{4052E6BD-5E0E-4D14-ABCB-5B4A4E32484D}" dt="2021-03-05T21:52:21.285" v="1117" actId="20577"/>
+          <ac:spMkLst>
+            <pc:docMk/>
+            <pc:sldMk cId="2681568414" sldId="262"/>
+            <ac:spMk id="2" creationId="{453E0CE5-D36E-43F8-B706-780D4C0BC3A4}"/>
+          </ac:spMkLst>
+        </pc:spChg>
+        <pc:spChg chg="mod">
+          <ac:chgData name="Kevin Gray" userId="91d44a80e12699df" providerId="LiveId" clId="{4052E6BD-5E0E-4D14-ABCB-5B4A4E32484D}" dt="2021-03-05T22:01:27.289" v="1372"/>
+          <ac:spMkLst>
+            <pc:docMk/>
+            <pc:sldMk cId="2681568414" sldId="262"/>
+            <ac:spMk id="3" creationId="{8E516A47-C12D-4A30-A858-1098C543DC33}"/>
+          </ac:spMkLst>
+        </pc:spChg>
+      </pc:sldChg>
+      <pc:sldChg chg="modSp add mod">
+        <pc:chgData name="Kevin Gray" userId="91d44a80e12699df" providerId="LiveId" clId="{4052E6BD-5E0E-4D14-ABCB-5B4A4E32484D}" dt="2021-03-05T22:03:05.268" v="1439" actId="20577"/>
+        <pc:sldMkLst>
+          <pc:docMk/>
+          <pc:sldMk cId="3780492875" sldId="263"/>
+        </pc:sldMkLst>
+        <pc:spChg chg="mod">
+          <ac:chgData name="Kevin Gray" userId="91d44a80e12699df" providerId="LiveId" clId="{4052E6BD-5E0E-4D14-ABCB-5B4A4E32484D}" dt="2021-03-05T22:02:44.870" v="1381" actId="20577"/>
+          <ac:spMkLst>
+            <pc:docMk/>
+            <pc:sldMk cId="3780492875" sldId="263"/>
+            <ac:spMk id="2" creationId="{453E0CE5-D36E-43F8-B706-780D4C0BC3A4}"/>
+          </ac:spMkLst>
+        </pc:spChg>
+        <pc:spChg chg="mod">
+          <ac:chgData name="Kevin Gray" userId="91d44a80e12699df" providerId="LiveId" clId="{4052E6BD-5E0E-4D14-ABCB-5B4A4E32484D}" dt="2021-03-05T22:03:05.268" v="1439" actId="20577"/>
+          <ac:spMkLst>
+            <pc:docMk/>
+            <pc:sldMk cId="3780492875" sldId="263"/>
+            <ac:spMk id="3" creationId="{8E516A47-C12D-4A30-A858-1098C543DC33}"/>
+          </ac:spMkLst>
+        </pc:spChg>
+      </pc:sldChg>
+      <pc:sldChg chg="modSp add mod">
+        <pc:chgData name="Kevin Gray" userId="91d44a80e12699df" providerId="LiveId" clId="{4052E6BD-5E0E-4D14-ABCB-5B4A4E32484D}" dt="2021-03-05T22:03:20.020" v="1451" actId="20577"/>
+        <pc:sldMkLst>
+          <pc:docMk/>
+          <pc:sldMk cId="1592997081" sldId="264"/>
+        </pc:sldMkLst>
+        <pc:spChg chg="mod">
+          <ac:chgData name="Kevin Gray" userId="91d44a80e12699df" providerId="LiveId" clId="{4052E6BD-5E0E-4D14-ABCB-5B4A4E32484D}" dt="2021-03-05T22:03:20.020" v="1451" actId="20577"/>
+          <ac:spMkLst>
+            <pc:docMk/>
+            <pc:sldMk cId="1592997081" sldId="264"/>
+            <ac:spMk id="2" creationId="{453E0CE5-D36E-43F8-B706-780D4C0BC3A4}"/>
+          </ac:spMkLst>
+        </pc:spChg>
+      </pc:sldChg>
+      <pc:sldChg chg="modSp add mod">
+        <pc:chgData name="Kevin Gray" userId="91d44a80e12699df" providerId="LiveId" clId="{4052E6BD-5E0E-4D14-ABCB-5B4A4E32484D}" dt="2021-03-05T22:04:49.327" v="1557" actId="20577"/>
+        <pc:sldMkLst>
+          <pc:docMk/>
+          <pc:sldMk cId="1305285333" sldId="265"/>
+        </pc:sldMkLst>
+        <pc:spChg chg="mod">
+          <ac:chgData name="Kevin Gray" userId="91d44a80e12699df" providerId="LiveId" clId="{4052E6BD-5E0E-4D14-ABCB-5B4A4E32484D}" dt="2021-03-05T22:04:13.277" v="1462" actId="20577"/>
+          <ac:spMkLst>
+            <pc:docMk/>
+            <pc:sldMk cId="1305285333" sldId="265"/>
+            <ac:spMk id="2" creationId="{453E0CE5-D36E-43F8-B706-780D4C0BC3A4}"/>
+          </ac:spMkLst>
+        </pc:spChg>
+        <pc:spChg chg="mod">
+          <ac:chgData name="Kevin Gray" userId="91d44a80e12699df" providerId="LiveId" clId="{4052E6BD-5E0E-4D14-ABCB-5B4A4E32484D}" dt="2021-03-05T22:04:49.327" v="1557" actId="20577"/>
+          <ac:spMkLst>
+            <pc:docMk/>
+            <pc:sldMk cId="1305285333" sldId="265"/>
+            <ac:spMk id="3" creationId="{8E516A47-C12D-4A30-A858-1098C543DC33}"/>
+          </ac:spMkLst>
+        </pc:spChg>
+      </pc:sldChg>
+    </pc:docChg>
+  </pc:docChgLst>
+</pc:chgInfo>
 </file>
 
 <file path=ppt/slideLayouts/slideLayout1.xml><?xml version="1.0" encoding="utf-8"?>
@@ -12540,6 +12764,121 @@
 </p:sld>
 </file>
 
+<file path=ppt/slides/slide10.xml><?xml version="1.0" encoding="utf-8"?>
+<p:sld xmlns:a="http://schemas.openxmlformats.org/drawingml/2006/main" xmlns:r="http://schemas.openxmlformats.org/officeDocument/2006/relationships" xmlns:p="http://schemas.openxmlformats.org/presentationml/2006/main">
+  <p:cSld>
+    <p:bg>
+      <p:bgPr>
+        <a:blipFill dpi="0" rotWithShape="1">
+          <a:blip r:embed="rId2">
+            <a:alphaModFix amt="20000"/>
+            <a:lum/>
+          </a:blip>
+          <a:srcRect/>
+          <a:stretch>
+            <a:fillRect/>
+          </a:stretch>
+        </a:blipFill>
+        <a:effectLst/>
+      </p:bgPr>
+    </p:bg>
+    <p:spTree>
+      <p:nvGrpSpPr>
+        <p:cNvPr id="1" name=""/>
+        <p:cNvGrpSpPr/>
+        <p:nvPr/>
+      </p:nvGrpSpPr>
+      <p:grpSpPr>
+        <a:xfrm>
+          <a:off x="0" y="0"/>
+          <a:ext cx="0" cy="0"/>
+          <a:chOff x="0" y="0"/>
+          <a:chExt cx="0" cy="0"/>
+        </a:xfrm>
+      </p:grpSpPr>
+      <p:sp>
+        <p:nvSpPr>
+          <p:cNvPr id="2" name="Title 1">
+            <a:extLst>
+              <a:ext uri="{FF2B5EF4-FFF2-40B4-BE49-F238E27FC236}">
+                <a16:creationId xmlns:a16="http://schemas.microsoft.com/office/drawing/2014/main" id="{453E0CE5-D36E-43F8-B706-780D4C0BC3A4}"/>
+              </a:ext>
+            </a:extLst>
+          </p:cNvPr>
+          <p:cNvSpPr>
+            <a:spLocks noGrp="1"/>
+          </p:cNvSpPr>
+          <p:nvPr>
+            <p:ph type="title"/>
+          </p:nvPr>
+        </p:nvSpPr>
+        <p:spPr/>
+        <p:txBody>
+          <a:bodyPr/>
+          <a:lstStyle/>
+          <a:p>
+            <a:r>
+              <a:rPr lang="en-US">
+                <a:solidFill>
+                  <a:schemeClr val="bg1"/>
+                </a:solidFill>
+              </a:rPr>
+              <a:t>conclusions</a:t>
+            </a:r>
+            <a:endParaRPr lang="en-US" dirty="0">
+              <a:solidFill>
+                <a:schemeClr val="bg1"/>
+              </a:solidFill>
+            </a:endParaRPr>
+          </a:p>
+        </p:txBody>
+      </p:sp>
+      <p:sp>
+        <p:nvSpPr>
+          <p:cNvPr id="3" name="Content Placeholder 2">
+            <a:extLst>
+              <a:ext uri="{FF2B5EF4-FFF2-40B4-BE49-F238E27FC236}">
+                <a16:creationId xmlns:a16="http://schemas.microsoft.com/office/drawing/2014/main" id="{8E516A47-C12D-4A30-A858-1098C543DC33}"/>
+              </a:ext>
+            </a:extLst>
+          </p:cNvPr>
+          <p:cNvSpPr>
+            <a:spLocks noGrp="1"/>
+          </p:cNvSpPr>
+          <p:nvPr>
+            <p:ph idx="1"/>
+          </p:nvPr>
+        </p:nvSpPr>
+        <p:spPr/>
+        <p:txBody>
+          <a:bodyPr>
+            <a:normAutofit/>
+          </a:bodyPr>
+          <a:lstStyle/>
+          <a:p>
+            <a:endParaRPr lang="en-US" dirty="0">
+              <a:solidFill>
+                <a:schemeClr val="bg2">
+                  <a:lumMod val="75000"/>
+                </a:schemeClr>
+              </a:solidFill>
+            </a:endParaRPr>
+          </a:p>
+        </p:txBody>
+      </p:sp>
+    </p:spTree>
+    <p:extLst>
+      <p:ext uri="{BB962C8B-B14F-4D97-AF65-F5344CB8AC3E}">
+        <p14:creationId xmlns:p14="http://schemas.microsoft.com/office/powerpoint/2010/main" val="1592997081"/>
+      </p:ext>
+    </p:extLst>
+  </p:cSld>
+  <p:clrMapOvr>
+    <a:masterClrMapping/>
+  </p:clrMapOvr>
+</p:sld>
+</file>
+
 <file path=ppt/slides/slide2.xml><?xml version="1.0" encoding="utf-8"?>
 <p:sld xmlns:a="http://schemas.openxmlformats.org/drawingml/2006/main" xmlns:r="http://schemas.openxmlformats.org/officeDocument/2006/relationships" xmlns:p="http://schemas.openxmlformats.org/presentationml/2006/main">
   <p:cSld>
@@ -12728,7 +13067,7 @@
                   <a:schemeClr val="bg1"/>
                 </a:solidFill>
               </a:rPr>
-              <a:t>Process for analysis</a:t>
+              <a:t>Tools </a:t>
             </a:r>
           </a:p>
         </p:txBody>
@@ -12762,7 +13101,7 @@
                   </a:schemeClr>
                 </a:solidFill>
               </a:rPr>
-              <a:t>Compile tweets from December-March containing specific keywords</a:t>
+              <a:t>Pandas</a:t>
             </a:r>
           </a:p>
           <a:p>
@@ -12774,7 +13113,7 @@
                   </a:schemeClr>
                 </a:solidFill>
               </a:rPr>
-              <a:t>Format data using Pandas</a:t>
+              <a:t>CSS/Bootstrap</a:t>
             </a:r>
           </a:p>
           <a:p>
@@ -12786,7 +13125,7 @@
                   </a:schemeClr>
                 </a:solidFill>
               </a:rPr>
-              <a:t>Create and app and webpage to house it</a:t>
+              <a:t>Tableau</a:t>
             </a:r>
           </a:p>
           <a:p>
@@ -12798,31 +13137,7 @@
                   </a:schemeClr>
                 </a:solidFill>
               </a:rPr>
-              <a:t>Create visualizations using Tableau</a:t>
-            </a:r>
-          </a:p>
-          <a:p>
-            <a:r>
-              <a:rPr lang="en-US" dirty="0">
-                <a:solidFill>
-                  <a:schemeClr val="bg2">
-                    <a:lumMod val="75000"/>
-                  </a:schemeClr>
-                </a:solidFill>
-              </a:rPr>
-              <a:t>Analyze findings</a:t>
-            </a:r>
-          </a:p>
-          <a:p>
-            <a:r>
-              <a:rPr lang="en-US" dirty="0">
-                <a:solidFill>
-                  <a:schemeClr val="bg2">
-                    <a:lumMod val="75000"/>
-                  </a:schemeClr>
-                </a:solidFill>
-              </a:rPr>
-              <a:t>Deploy project through Heroku</a:t>
+              <a:t>Heroku</a:t>
             </a:r>
           </a:p>
         </p:txBody>
@@ -12830,7 +13145,7 @@
     </p:spTree>
     <p:extLst>
       <p:ext uri="{BB962C8B-B14F-4D97-AF65-F5344CB8AC3E}">
-        <p14:creationId xmlns:p14="http://schemas.microsoft.com/office/powerpoint/2010/main" val="3688840791"/>
+        <p14:creationId xmlns:p14="http://schemas.microsoft.com/office/powerpoint/2010/main" val="3529716458"/>
       </p:ext>
     </p:extLst>
   </p:cSld>
@@ -12899,7 +13214,7 @@
                   <a:schemeClr val="bg1"/>
                 </a:solidFill>
               </a:rPr>
-              <a:t>Process for analysis</a:t>
+              <a:t>Limitations/obstacles </a:t>
             </a:r>
           </a:p>
         </p:txBody>
@@ -12933,6 +13248,369 @@
                   </a:schemeClr>
                 </a:solidFill>
               </a:rPr>
+              <a:t>Access to the Twitter Enterprise API costs $5,000/month</a:t>
+            </a:r>
+          </a:p>
+          <a:p>
+            <a:r>
+              <a:rPr lang="en-US" dirty="0">
+                <a:solidFill>
+                  <a:schemeClr val="bg2">
+                    <a:lumMod val="75000"/>
+                  </a:schemeClr>
+                </a:solidFill>
+              </a:rPr>
+              <a:t>Limited capacity to perform API calls</a:t>
+            </a:r>
+          </a:p>
+          <a:p>
+            <a:r>
+              <a:rPr lang="en-US" dirty="0">
+                <a:solidFill>
+                  <a:schemeClr val="bg2">
+                    <a:lumMod val="75000"/>
+                  </a:schemeClr>
+                </a:solidFill>
+              </a:rPr>
+              <a:t>No reliable geographic information about tweet origins</a:t>
+            </a:r>
+          </a:p>
+          <a:p>
+            <a:r>
+              <a:rPr lang="en-US" dirty="0">
+                <a:solidFill>
+                  <a:schemeClr val="bg2">
+                    <a:lumMod val="75000"/>
+                  </a:schemeClr>
+                </a:solidFill>
+              </a:rPr>
+              <a:t>Slow response for access to low-rung Twitter API</a:t>
+            </a:r>
+            <a:br>
+              <a:rPr lang="en-US" dirty="0">
+                <a:solidFill>
+                  <a:schemeClr val="bg2">
+                    <a:lumMod val="75000"/>
+                  </a:schemeClr>
+                </a:solidFill>
+              </a:rPr>
+            </a:br>
+            <a:endParaRPr lang="en-US" dirty="0">
+              <a:solidFill>
+                <a:schemeClr val="bg2">
+                  <a:lumMod val="75000"/>
+                </a:schemeClr>
+              </a:solidFill>
+            </a:endParaRPr>
+          </a:p>
+          <a:p>
+            <a:endParaRPr lang="en-US" dirty="0">
+              <a:solidFill>
+                <a:schemeClr val="bg2">
+                  <a:lumMod val="75000"/>
+                </a:schemeClr>
+              </a:solidFill>
+            </a:endParaRPr>
+          </a:p>
+        </p:txBody>
+      </p:sp>
+      <p:pic>
+        <p:nvPicPr>
+          <p:cNvPr id="7" name="Picture 6" descr="Table&#10;&#10;Description automatically generated">
+            <a:extLst>
+              <a:ext uri="{FF2B5EF4-FFF2-40B4-BE49-F238E27FC236}">
+                <a16:creationId xmlns:a16="http://schemas.microsoft.com/office/drawing/2014/main" id="{E43ABD7D-B097-4CF5-9A4B-1352775B558B}"/>
+              </a:ext>
+            </a:extLst>
+          </p:cNvPr>
+          <p:cNvPicPr>
+            <a:picLocks noChangeAspect="1"/>
+          </p:cNvPicPr>
+          <p:nvPr/>
+        </p:nvPicPr>
+        <p:blipFill>
+          <a:blip r:embed="rId3"/>
+          <a:stretch>
+            <a:fillRect/>
+          </a:stretch>
+        </p:blipFill>
+        <p:spPr>
+          <a:xfrm>
+            <a:off x="7451449" y="3429000"/>
+            <a:ext cx="3273909" cy="3052366"/>
+          </a:xfrm>
+          <a:prstGeom prst="rect">
+            <a:avLst/>
+          </a:prstGeom>
+        </p:spPr>
+      </p:pic>
+    </p:spTree>
+    <p:extLst>
+      <p:ext uri="{BB962C8B-B14F-4D97-AF65-F5344CB8AC3E}">
+        <p14:creationId xmlns:p14="http://schemas.microsoft.com/office/powerpoint/2010/main" val="3688310994"/>
+      </p:ext>
+    </p:extLst>
+  </p:cSld>
+  <p:clrMapOvr>
+    <a:masterClrMapping/>
+  </p:clrMapOvr>
+</p:sld>
+</file>
+
+<file path=ppt/slides/slide5.xml><?xml version="1.0" encoding="utf-8"?>
+<p:sld xmlns:a="http://schemas.openxmlformats.org/drawingml/2006/main" xmlns:r="http://schemas.openxmlformats.org/officeDocument/2006/relationships" xmlns:p="http://schemas.openxmlformats.org/presentationml/2006/main">
+  <p:cSld>
+    <p:bg>
+      <p:bgPr>
+        <a:blipFill dpi="0" rotWithShape="1">
+          <a:blip r:embed="rId2">
+            <a:alphaModFix amt="20000"/>
+            <a:lum/>
+          </a:blip>
+          <a:srcRect/>
+          <a:stretch>
+            <a:fillRect/>
+          </a:stretch>
+        </a:blipFill>
+        <a:effectLst/>
+      </p:bgPr>
+    </p:bg>
+    <p:spTree>
+      <p:nvGrpSpPr>
+        <p:cNvPr id="1" name=""/>
+        <p:cNvGrpSpPr/>
+        <p:nvPr/>
+      </p:nvGrpSpPr>
+      <p:grpSpPr>
+        <a:xfrm>
+          <a:off x="0" y="0"/>
+          <a:ext cx="0" cy="0"/>
+          <a:chOff x="0" y="0"/>
+          <a:chExt cx="0" cy="0"/>
+        </a:xfrm>
+      </p:grpSpPr>
+      <p:sp>
+        <p:nvSpPr>
+          <p:cNvPr id="2" name="Title 1">
+            <a:extLst>
+              <a:ext uri="{FF2B5EF4-FFF2-40B4-BE49-F238E27FC236}">
+                <a16:creationId xmlns:a16="http://schemas.microsoft.com/office/drawing/2014/main" id="{453E0CE5-D36E-43F8-B706-780D4C0BC3A4}"/>
+              </a:ext>
+            </a:extLst>
+          </p:cNvPr>
+          <p:cNvSpPr>
+            <a:spLocks noGrp="1"/>
+          </p:cNvSpPr>
+          <p:nvPr>
+            <p:ph type="title"/>
+          </p:nvPr>
+        </p:nvSpPr>
+        <p:spPr/>
+        <p:txBody>
+          <a:bodyPr/>
+          <a:lstStyle/>
+          <a:p>
+            <a:r>
+              <a:rPr lang="en-US" dirty="0">
+                <a:solidFill>
+                  <a:schemeClr val="bg1"/>
+                </a:solidFill>
+              </a:rPr>
+              <a:t>Solutions</a:t>
+            </a:r>
+          </a:p>
+        </p:txBody>
+      </p:sp>
+      <p:sp>
+        <p:nvSpPr>
+          <p:cNvPr id="3" name="Content Placeholder 2">
+            <a:extLst>
+              <a:ext uri="{FF2B5EF4-FFF2-40B4-BE49-F238E27FC236}">
+                <a16:creationId xmlns:a16="http://schemas.microsoft.com/office/drawing/2014/main" id="{8E516A47-C12D-4A30-A858-1098C543DC33}"/>
+              </a:ext>
+            </a:extLst>
+          </p:cNvPr>
+          <p:cNvSpPr>
+            <a:spLocks noGrp="1"/>
+          </p:cNvSpPr>
+          <p:nvPr>
+            <p:ph idx="1"/>
+          </p:nvPr>
+        </p:nvSpPr>
+        <p:spPr/>
+        <p:txBody>
+          <a:bodyPr/>
+          <a:lstStyle/>
+          <a:p>
+            <a:r>
+              <a:rPr lang="en-US" dirty="0">
+                <a:solidFill>
+                  <a:schemeClr val="bg2">
+                    <a:lumMod val="75000"/>
+                  </a:schemeClr>
+                </a:solidFill>
+              </a:rPr>
+              <a:t>Utilized a tweet dataset compiled by data scientist Gabriel </a:t>
+            </a:r>
+            <a:r>
+              <a:rPr lang="en-US" dirty="0" err="1">
+                <a:solidFill>
+                  <a:schemeClr val="bg2">
+                    <a:lumMod val="75000"/>
+                  </a:schemeClr>
+                </a:solidFill>
+              </a:rPr>
+              <a:t>Preda</a:t>
+            </a:r>
+            <a:endParaRPr lang="en-US" dirty="0">
+              <a:solidFill>
+                <a:schemeClr val="bg2">
+                  <a:lumMod val="75000"/>
+                </a:schemeClr>
+              </a:solidFill>
+            </a:endParaRPr>
+          </a:p>
+          <a:p>
+            <a:r>
+              <a:rPr lang="en-US" dirty="0">
+                <a:solidFill>
+                  <a:schemeClr val="bg2">
+                    <a:lumMod val="75000"/>
+                  </a:schemeClr>
+                </a:solidFill>
+              </a:rPr>
+              <a:t>The dataset, had some likely weaknesses, but was updated twice during our work allowing us to pull tweet data from 20-Dec through 3-March.</a:t>
+            </a:r>
+          </a:p>
+          <a:p>
+            <a:r>
+              <a:rPr lang="en-US" dirty="0">
+                <a:solidFill>
+                  <a:schemeClr val="bg2">
+                    <a:lumMod val="75000"/>
+                  </a:schemeClr>
+                </a:solidFill>
+              </a:rPr>
+              <a:t>All told, the dataset included 19,945 tweets</a:t>
+            </a:r>
+          </a:p>
+          <a:p>
+            <a:endParaRPr lang="en-US" dirty="0">
+              <a:solidFill>
+                <a:schemeClr val="bg2">
+                  <a:lumMod val="75000"/>
+                </a:schemeClr>
+              </a:solidFill>
+            </a:endParaRPr>
+          </a:p>
+        </p:txBody>
+      </p:sp>
+    </p:spTree>
+    <p:extLst>
+      <p:ext uri="{BB962C8B-B14F-4D97-AF65-F5344CB8AC3E}">
+        <p14:creationId xmlns:p14="http://schemas.microsoft.com/office/powerpoint/2010/main" val="705752475"/>
+      </p:ext>
+    </p:extLst>
+  </p:cSld>
+  <p:clrMapOvr>
+    <a:masterClrMapping/>
+  </p:clrMapOvr>
+</p:sld>
+</file>
+
+<file path=ppt/slides/slide6.xml><?xml version="1.0" encoding="utf-8"?>
+<p:sld xmlns:a="http://schemas.openxmlformats.org/drawingml/2006/main" xmlns:r="http://schemas.openxmlformats.org/officeDocument/2006/relationships" xmlns:p="http://schemas.openxmlformats.org/presentationml/2006/main">
+  <p:cSld>
+    <p:bg>
+      <p:bgPr>
+        <a:blipFill dpi="0" rotWithShape="1">
+          <a:blip r:embed="rId2">
+            <a:alphaModFix amt="20000"/>
+            <a:lum/>
+          </a:blip>
+          <a:srcRect/>
+          <a:stretch>
+            <a:fillRect/>
+          </a:stretch>
+        </a:blipFill>
+        <a:effectLst/>
+      </p:bgPr>
+    </p:bg>
+    <p:spTree>
+      <p:nvGrpSpPr>
+        <p:cNvPr id="1" name=""/>
+        <p:cNvGrpSpPr/>
+        <p:nvPr/>
+      </p:nvGrpSpPr>
+      <p:grpSpPr>
+        <a:xfrm>
+          <a:off x="0" y="0"/>
+          <a:ext cx="0" cy="0"/>
+          <a:chOff x="0" y="0"/>
+          <a:chExt cx="0" cy="0"/>
+        </a:xfrm>
+      </p:grpSpPr>
+      <p:sp>
+        <p:nvSpPr>
+          <p:cNvPr id="2" name="Title 1">
+            <a:extLst>
+              <a:ext uri="{FF2B5EF4-FFF2-40B4-BE49-F238E27FC236}">
+                <a16:creationId xmlns:a16="http://schemas.microsoft.com/office/drawing/2014/main" id="{453E0CE5-D36E-43F8-B706-780D4C0BC3A4}"/>
+              </a:ext>
+            </a:extLst>
+          </p:cNvPr>
+          <p:cNvSpPr>
+            <a:spLocks noGrp="1"/>
+          </p:cNvSpPr>
+          <p:nvPr>
+            <p:ph type="title"/>
+          </p:nvPr>
+        </p:nvSpPr>
+        <p:spPr/>
+        <p:txBody>
+          <a:bodyPr/>
+          <a:lstStyle/>
+          <a:p>
+            <a:r>
+              <a:rPr lang="en-US" dirty="0">
+                <a:solidFill>
+                  <a:schemeClr val="bg1"/>
+                </a:solidFill>
+              </a:rPr>
+              <a:t>Process</a:t>
+            </a:r>
+          </a:p>
+        </p:txBody>
+      </p:sp>
+      <p:sp>
+        <p:nvSpPr>
+          <p:cNvPr id="3" name="Content Placeholder 2">
+            <a:extLst>
+              <a:ext uri="{FF2B5EF4-FFF2-40B4-BE49-F238E27FC236}">
+                <a16:creationId xmlns:a16="http://schemas.microsoft.com/office/drawing/2014/main" id="{8E516A47-C12D-4A30-A858-1098C543DC33}"/>
+              </a:ext>
+            </a:extLst>
+          </p:cNvPr>
+          <p:cNvSpPr>
+            <a:spLocks noGrp="1"/>
+          </p:cNvSpPr>
+          <p:nvPr>
+            <p:ph idx="1"/>
+          </p:nvPr>
+        </p:nvSpPr>
+        <p:spPr/>
+        <p:txBody>
+          <a:bodyPr/>
+          <a:lstStyle/>
+          <a:p>
+            <a:r>
+              <a:rPr lang="en-US" dirty="0">
+                <a:solidFill>
+                  <a:schemeClr val="bg2">
+                    <a:lumMod val="75000"/>
+                  </a:schemeClr>
+                </a:solidFill>
+              </a:rPr>
               <a:t>Compile tweets from December-March containing specific keywords</a:t>
             </a:r>
           </a:p>
@@ -13001,7 +13679,440 @@
     </p:spTree>
     <p:extLst>
       <p:ext uri="{BB962C8B-B14F-4D97-AF65-F5344CB8AC3E}">
-        <p14:creationId xmlns:p14="http://schemas.microsoft.com/office/powerpoint/2010/main" val="3529716458"/>
+        <p14:creationId xmlns:p14="http://schemas.microsoft.com/office/powerpoint/2010/main" val="3688840791"/>
+      </p:ext>
+    </p:extLst>
+  </p:cSld>
+  <p:clrMapOvr>
+    <a:masterClrMapping/>
+  </p:clrMapOvr>
+</p:sld>
+</file>
+
+<file path=ppt/slides/slide7.xml><?xml version="1.0" encoding="utf-8"?>
+<p:sld xmlns:a="http://schemas.openxmlformats.org/drawingml/2006/main" xmlns:r="http://schemas.openxmlformats.org/officeDocument/2006/relationships" xmlns:p="http://schemas.openxmlformats.org/presentationml/2006/main">
+  <p:cSld>
+    <p:bg>
+      <p:bgPr>
+        <a:blipFill dpi="0" rotWithShape="1">
+          <a:blip r:embed="rId2">
+            <a:alphaModFix amt="20000"/>
+            <a:lum/>
+          </a:blip>
+          <a:srcRect/>
+          <a:stretch>
+            <a:fillRect/>
+          </a:stretch>
+        </a:blipFill>
+        <a:effectLst/>
+      </p:bgPr>
+    </p:bg>
+    <p:spTree>
+      <p:nvGrpSpPr>
+        <p:cNvPr id="1" name=""/>
+        <p:cNvGrpSpPr/>
+        <p:nvPr/>
+      </p:nvGrpSpPr>
+      <p:grpSpPr>
+        <a:xfrm>
+          <a:off x="0" y="0"/>
+          <a:ext cx="0" cy="0"/>
+          <a:chOff x="0" y="0"/>
+          <a:chExt cx="0" cy="0"/>
+        </a:xfrm>
+      </p:grpSpPr>
+      <p:sp>
+        <p:nvSpPr>
+          <p:cNvPr id="2" name="Title 1">
+            <a:extLst>
+              <a:ext uri="{FF2B5EF4-FFF2-40B4-BE49-F238E27FC236}">
+                <a16:creationId xmlns:a16="http://schemas.microsoft.com/office/drawing/2014/main" id="{453E0CE5-D36E-43F8-B706-780D4C0BC3A4}"/>
+              </a:ext>
+            </a:extLst>
+          </p:cNvPr>
+          <p:cNvSpPr>
+            <a:spLocks noGrp="1"/>
+          </p:cNvSpPr>
+          <p:nvPr>
+            <p:ph type="title"/>
+          </p:nvPr>
+        </p:nvSpPr>
+        <p:spPr/>
+        <p:txBody>
+          <a:bodyPr/>
+          <a:lstStyle/>
+          <a:p>
+            <a:r>
+              <a:rPr lang="en-US" dirty="0">
+                <a:solidFill>
+                  <a:schemeClr val="bg1"/>
+                </a:solidFill>
+              </a:rPr>
+              <a:t>Determining Sentiment - </a:t>
+            </a:r>
+            <a:r>
+              <a:rPr lang="en-US" dirty="0" err="1">
+                <a:solidFill>
+                  <a:schemeClr val="bg1"/>
+                </a:solidFill>
+              </a:rPr>
+              <a:t>vader</a:t>
+            </a:r>
+            <a:endParaRPr lang="en-US" dirty="0">
+              <a:solidFill>
+                <a:schemeClr val="bg1"/>
+              </a:solidFill>
+            </a:endParaRPr>
+          </a:p>
+        </p:txBody>
+      </p:sp>
+      <p:sp>
+        <p:nvSpPr>
+          <p:cNvPr id="3" name="Content Placeholder 2">
+            <a:extLst>
+              <a:ext uri="{FF2B5EF4-FFF2-40B4-BE49-F238E27FC236}">
+                <a16:creationId xmlns:a16="http://schemas.microsoft.com/office/drawing/2014/main" id="{8E516A47-C12D-4A30-A858-1098C543DC33}"/>
+              </a:ext>
+            </a:extLst>
+          </p:cNvPr>
+          <p:cNvSpPr>
+            <a:spLocks noGrp="1"/>
+          </p:cNvSpPr>
+          <p:nvPr>
+            <p:ph idx="1"/>
+          </p:nvPr>
+        </p:nvSpPr>
+        <p:spPr/>
+        <p:txBody>
+          <a:bodyPr>
+            <a:normAutofit/>
+          </a:bodyPr>
+          <a:lstStyle/>
+          <a:p>
+            <a:r>
+              <a:rPr lang="en-US" dirty="0">
+                <a:solidFill>
+                  <a:schemeClr val="bg2">
+                    <a:lumMod val="75000"/>
+                  </a:schemeClr>
+                </a:solidFill>
+              </a:rPr>
+              <a:t>VADER = Valence Aware Dictionary and </a:t>
+            </a:r>
+            <a:r>
+              <a:rPr lang="en-US" dirty="0" err="1">
+                <a:solidFill>
+                  <a:schemeClr val="bg2">
+                    <a:lumMod val="75000"/>
+                  </a:schemeClr>
+                </a:solidFill>
+              </a:rPr>
+              <a:t>sEntiment</a:t>
+            </a:r>
+            <a:r>
+              <a:rPr lang="en-US" dirty="0">
+                <a:solidFill>
+                  <a:schemeClr val="bg2">
+                    <a:lumMod val="75000"/>
+                  </a:schemeClr>
+                </a:solidFill>
+              </a:rPr>
+              <a:t> Reasoner</a:t>
+            </a:r>
+          </a:p>
+          <a:p>
+            <a:r>
+              <a:rPr lang="en-US" dirty="0">
+                <a:solidFill>
+                  <a:schemeClr val="bg2">
+                    <a:lumMod val="75000"/>
+                  </a:schemeClr>
+                </a:solidFill>
+              </a:rPr>
+              <a:t>Open-source lexicon &amp; rule-based sentiment analysis tool specifically attuned to sentiments expressed in social media</a:t>
+            </a:r>
+          </a:p>
+          <a:p>
+            <a:r>
+              <a:rPr lang="en-US" dirty="0">
+                <a:solidFill>
+                  <a:schemeClr val="bg2">
+                    <a:lumMod val="75000"/>
+                  </a:schemeClr>
+                </a:solidFill>
+              </a:rPr>
+              <a:t>https://github.com/cjhutto/vaderSentiment/blob/master/README.rst</a:t>
+            </a:r>
+          </a:p>
+          <a:p>
+            <a:pPr marL="0" indent="0">
+              <a:buNone/>
+            </a:pPr>
+            <a:endParaRPr lang="en-US" sz="1500" b="0" i="1" dirty="0">
+              <a:solidFill>
+                <a:srgbClr val="797979"/>
+              </a:solidFill>
+              <a:effectLst/>
+            </a:endParaRPr>
+          </a:p>
+          <a:p>
+            <a:pPr marL="0" indent="0">
+              <a:buNone/>
+            </a:pPr>
+            <a:r>
+              <a:rPr lang="en-US" sz="1500" b="0" i="1" dirty="0">
+                <a:solidFill>
+                  <a:schemeClr val="bg2">
+                    <a:lumMod val="75000"/>
+                  </a:schemeClr>
+                </a:solidFill>
+                <a:effectLst/>
+              </a:rPr>
+              <a:t>Hutto, C.J. &amp; Gilbert, E.E. (2014). VADER: A Parsimonious Rule-based Model for Sentiment Analysis of Social Media Text. Eighth International Conference on Weblogs and Social Media (ICWSM-14). Ann Arbor, MI, June 2014.</a:t>
+            </a:r>
+            <a:endParaRPr lang="en-US" sz="1500" dirty="0">
+              <a:solidFill>
+                <a:schemeClr val="bg2">
+                  <a:lumMod val="75000"/>
+                </a:schemeClr>
+              </a:solidFill>
+            </a:endParaRPr>
+          </a:p>
+        </p:txBody>
+      </p:sp>
+    </p:spTree>
+    <p:extLst>
+      <p:ext uri="{BB962C8B-B14F-4D97-AF65-F5344CB8AC3E}">
+        <p14:creationId xmlns:p14="http://schemas.microsoft.com/office/powerpoint/2010/main" val="2681568414"/>
+      </p:ext>
+    </p:extLst>
+  </p:cSld>
+  <p:clrMapOvr>
+    <a:masterClrMapping/>
+  </p:clrMapOvr>
+</p:sld>
+</file>
+
+<file path=ppt/slides/slide8.xml><?xml version="1.0" encoding="utf-8"?>
+<p:sld xmlns:a="http://schemas.openxmlformats.org/drawingml/2006/main" xmlns:r="http://schemas.openxmlformats.org/officeDocument/2006/relationships" xmlns:p="http://schemas.openxmlformats.org/presentationml/2006/main">
+  <p:cSld>
+    <p:bg>
+      <p:bgPr>
+        <a:blipFill dpi="0" rotWithShape="1">
+          <a:blip r:embed="rId2">
+            <a:alphaModFix amt="20000"/>
+            <a:lum/>
+          </a:blip>
+          <a:srcRect/>
+          <a:stretch>
+            <a:fillRect/>
+          </a:stretch>
+        </a:blipFill>
+        <a:effectLst/>
+      </p:bgPr>
+    </p:bg>
+    <p:spTree>
+      <p:nvGrpSpPr>
+        <p:cNvPr id="1" name=""/>
+        <p:cNvGrpSpPr/>
+        <p:nvPr/>
+      </p:nvGrpSpPr>
+      <p:grpSpPr>
+        <a:xfrm>
+          <a:off x="0" y="0"/>
+          <a:ext cx="0" cy="0"/>
+          <a:chOff x="0" y="0"/>
+          <a:chExt cx="0" cy="0"/>
+        </a:xfrm>
+      </p:grpSpPr>
+      <p:sp>
+        <p:nvSpPr>
+          <p:cNvPr id="2" name="Title 1">
+            <a:extLst>
+              <a:ext uri="{FF2B5EF4-FFF2-40B4-BE49-F238E27FC236}">
+                <a16:creationId xmlns:a16="http://schemas.microsoft.com/office/drawing/2014/main" id="{453E0CE5-D36E-43F8-B706-780D4C0BC3A4}"/>
+              </a:ext>
+            </a:extLst>
+          </p:cNvPr>
+          <p:cNvSpPr>
+            <a:spLocks noGrp="1"/>
+          </p:cNvSpPr>
+          <p:nvPr>
+            <p:ph type="title"/>
+          </p:nvPr>
+        </p:nvSpPr>
+        <p:spPr/>
+        <p:txBody>
+          <a:bodyPr/>
+          <a:lstStyle/>
+          <a:p>
+            <a:r>
+              <a:rPr lang="en-US" dirty="0">
+                <a:solidFill>
+                  <a:schemeClr val="bg1"/>
+                </a:solidFill>
+              </a:rPr>
+              <a:t>deployment</a:t>
+            </a:r>
+          </a:p>
+        </p:txBody>
+      </p:sp>
+      <p:sp>
+        <p:nvSpPr>
+          <p:cNvPr id="3" name="Content Placeholder 2">
+            <a:extLst>
+              <a:ext uri="{FF2B5EF4-FFF2-40B4-BE49-F238E27FC236}">
+                <a16:creationId xmlns:a16="http://schemas.microsoft.com/office/drawing/2014/main" id="{8E516A47-C12D-4A30-A858-1098C543DC33}"/>
+              </a:ext>
+            </a:extLst>
+          </p:cNvPr>
+          <p:cNvSpPr>
+            <a:spLocks noGrp="1"/>
+          </p:cNvSpPr>
+          <p:nvPr>
+            <p:ph idx="1"/>
+          </p:nvPr>
+        </p:nvSpPr>
+        <p:spPr/>
+        <p:txBody>
+          <a:bodyPr>
+            <a:normAutofit/>
+          </a:bodyPr>
+          <a:lstStyle/>
+          <a:p>
+            <a:r>
+              <a:rPr lang="en-US">
+                <a:solidFill>
+                  <a:schemeClr val="bg2">
+                    <a:lumMod val="75000"/>
+                  </a:schemeClr>
+                </a:solidFill>
+              </a:rPr>
+              <a:t>De</a:t>
+            </a:r>
+            <a:endParaRPr lang="en-US" sz="1500" b="0" i="1" dirty="0">
+              <a:solidFill>
+                <a:srgbClr val="797979"/>
+              </a:solidFill>
+              <a:effectLst/>
+            </a:endParaRPr>
+          </a:p>
+        </p:txBody>
+      </p:sp>
+    </p:spTree>
+    <p:extLst>
+      <p:ext uri="{BB962C8B-B14F-4D97-AF65-F5344CB8AC3E}">
+        <p14:creationId xmlns:p14="http://schemas.microsoft.com/office/powerpoint/2010/main" val="1305285333"/>
+      </p:ext>
+    </p:extLst>
+  </p:cSld>
+  <p:clrMapOvr>
+    <a:masterClrMapping/>
+  </p:clrMapOvr>
+</p:sld>
+</file>
+
+<file path=ppt/slides/slide9.xml><?xml version="1.0" encoding="utf-8"?>
+<p:sld xmlns:a="http://schemas.openxmlformats.org/drawingml/2006/main" xmlns:r="http://schemas.openxmlformats.org/officeDocument/2006/relationships" xmlns:p="http://schemas.openxmlformats.org/presentationml/2006/main">
+  <p:cSld>
+    <p:bg>
+      <p:bgPr>
+        <a:blipFill dpi="0" rotWithShape="1">
+          <a:blip r:embed="rId2">
+            <a:alphaModFix amt="20000"/>
+            <a:lum/>
+          </a:blip>
+          <a:srcRect/>
+          <a:stretch>
+            <a:fillRect/>
+          </a:stretch>
+        </a:blipFill>
+        <a:effectLst/>
+      </p:bgPr>
+    </p:bg>
+    <p:spTree>
+      <p:nvGrpSpPr>
+        <p:cNvPr id="1" name=""/>
+        <p:cNvGrpSpPr/>
+        <p:nvPr/>
+      </p:nvGrpSpPr>
+      <p:grpSpPr>
+        <a:xfrm>
+          <a:off x="0" y="0"/>
+          <a:ext cx="0" cy="0"/>
+          <a:chOff x="0" y="0"/>
+          <a:chExt cx="0" cy="0"/>
+        </a:xfrm>
+      </p:grpSpPr>
+      <p:sp>
+        <p:nvSpPr>
+          <p:cNvPr id="2" name="Title 1">
+            <a:extLst>
+              <a:ext uri="{FF2B5EF4-FFF2-40B4-BE49-F238E27FC236}">
+                <a16:creationId xmlns:a16="http://schemas.microsoft.com/office/drawing/2014/main" id="{453E0CE5-D36E-43F8-B706-780D4C0BC3A4}"/>
+              </a:ext>
+            </a:extLst>
+          </p:cNvPr>
+          <p:cNvSpPr>
+            <a:spLocks noGrp="1"/>
+          </p:cNvSpPr>
+          <p:nvPr>
+            <p:ph type="title"/>
+          </p:nvPr>
+        </p:nvSpPr>
+        <p:spPr/>
+        <p:txBody>
+          <a:bodyPr/>
+          <a:lstStyle/>
+          <a:p>
+            <a:r>
+              <a:rPr lang="en-US" dirty="0">
+                <a:solidFill>
+                  <a:schemeClr val="bg1"/>
+                </a:solidFill>
+              </a:rPr>
+              <a:t>Findings</a:t>
+            </a:r>
+          </a:p>
+        </p:txBody>
+      </p:sp>
+      <p:sp>
+        <p:nvSpPr>
+          <p:cNvPr id="3" name="Content Placeholder 2">
+            <a:extLst>
+              <a:ext uri="{FF2B5EF4-FFF2-40B4-BE49-F238E27FC236}">
+                <a16:creationId xmlns:a16="http://schemas.microsoft.com/office/drawing/2014/main" id="{8E516A47-C12D-4A30-A858-1098C543DC33}"/>
+              </a:ext>
+            </a:extLst>
+          </p:cNvPr>
+          <p:cNvSpPr>
+            <a:spLocks noGrp="1"/>
+          </p:cNvSpPr>
+          <p:nvPr>
+            <p:ph idx="1"/>
+          </p:nvPr>
+        </p:nvSpPr>
+        <p:spPr/>
+        <p:txBody>
+          <a:bodyPr>
+            <a:normAutofit/>
+          </a:bodyPr>
+          <a:lstStyle/>
+          <a:p>
+            <a:endParaRPr lang="en-US" dirty="0">
+              <a:solidFill>
+                <a:schemeClr val="bg2">
+                  <a:lumMod val="75000"/>
+                </a:schemeClr>
+              </a:solidFill>
+            </a:endParaRPr>
+          </a:p>
+        </p:txBody>
+      </p:sp>
+    </p:spTree>
+    <p:extLst>
+      <p:ext uri="{BB962C8B-B14F-4D97-AF65-F5344CB8AC3E}">
+        <p14:creationId xmlns:p14="http://schemas.microsoft.com/office/powerpoint/2010/main" val="3780492875"/>
       </p:ext>
     </p:extLst>
   </p:cSld>

--- a/Presentation.pptx
+++ b/Presentation.pptx
@@ -124,7 +124,7 @@
 <file path=ppt/revisionInfo.xml><?xml version="1.0" encoding="utf-8"?>
 <p1510:revInfo xmlns:a="http://schemas.openxmlformats.org/drawingml/2006/main" xmlns:r="http://schemas.openxmlformats.org/officeDocument/2006/relationships" xmlns:p1510="http://schemas.microsoft.com/office/powerpoint/2015/10/main">
   <p1510:revLst>
-    <p1510:client id="{4052E6BD-5E0E-4D14-ABCB-5B4A4E32484D}" v="2" dt="2021-03-05T21:42:46.667"/>
+    <p1510:client id="{4052E6BD-5E0E-4D14-ABCB-5B4A4E32484D}" v="3" dt="2021-03-06T15:11:07.238"/>
   </p1510:revLst>
 </p1510:revInfo>
 </file>
@@ -134,12 +134,12 @@
   <pc:docChgLst>
     <pc:chgData name="Kevin Gray" userId="91d44a80e12699df" providerId="LiveId" clId="{4052E6BD-5E0E-4D14-ABCB-5B4A4E32484D}"/>
     <pc:docChg chg="undo custSel addSld delSld modSld sldOrd">
-      <pc:chgData name="Kevin Gray" userId="91d44a80e12699df" providerId="LiveId" clId="{4052E6BD-5E0E-4D14-ABCB-5B4A4E32484D}" dt="2021-03-05T22:04:49.327" v="1557" actId="20577"/>
+      <pc:chgData name="Kevin Gray" userId="91d44a80e12699df" providerId="LiveId" clId="{4052E6BD-5E0E-4D14-ABCB-5B4A4E32484D}" dt="2021-03-06T15:33:43.517" v="2083" actId="20577"/>
       <pc:docMkLst>
         <pc:docMk/>
       </pc:docMkLst>
       <pc:sldChg chg="modSp mod ord">
-        <pc:chgData name="Kevin Gray" userId="91d44a80e12699df" providerId="LiveId" clId="{4052E6BD-5E0E-4D14-ABCB-5B4A4E32484D}" dt="2021-03-05T21:44:33.626" v="1058" actId="20577"/>
+        <pc:chgData name="Kevin Gray" userId="91d44a80e12699df" providerId="LiveId" clId="{4052E6BD-5E0E-4D14-ABCB-5B4A4E32484D}" dt="2021-03-06T15:12:06.008" v="1645" actId="20577"/>
         <pc:sldMkLst>
           <pc:docMk/>
           <pc:sldMk cId="3688840791" sldId="258"/>
@@ -152,9 +152,17 @@
             <ac:spMk id="2" creationId="{453E0CE5-D36E-43F8-B706-780D4C0BC3A4}"/>
           </ac:spMkLst>
         </pc:spChg>
+        <pc:spChg chg="mod">
+          <ac:chgData name="Kevin Gray" userId="91d44a80e12699df" providerId="LiveId" clId="{4052E6BD-5E0E-4D14-ABCB-5B4A4E32484D}" dt="2021-03-06T15:12:06.008" v="1645" actId="20577"/>
+          <ac:spMkLst>
+            <pc:docMk/>
+            <pc:sldMk cId="3688840791" sldId="258"/>
+            <ac:spMk id="3" creationId="{8E516A47-C12D-4A30-A858-1098C543DC33}"/>
+          </ac:spMkLst>
+        </pc:spChg>
       </pc:sldChg>
       <pc:sldChg chg="modSp mod">
-        <pc:chgData name="Kevin Gray" userId="91d44a80e12699df" providerId="LiveId" clId="{4052E6BD-5E0E-4D14-ABCB-5B4A4E32484D}" dt="2021-03-05T21:32:12.406" v="72" actId="20577"/>
+        <pc:chgData name="Kevin Gray" userId="91d44a80e12699df" providerId="LiveId" clId="{4052E6BD-5E0E-4D14-ABCB-5B4A4E32484D}" dt="2021-03-06T14:59:23.251" v="1568" actId="20577"/>
         <pc:sldMkLst>
           <pc:docMk/>
           <pc:sldMk cId="3529716458" sldId="259"/>
@@ -168,7 +176,7 @@
           </ac:spMkLst>
         </pc:spChg>
         <pc:spChg chg="mod">
-          <ac:chgData name="Kevin Gray" userId="91d44a80e12699df" providerId="LiveId" clId="{4052E6BD-5E0E-4D14-ABCB-5B4A4E32484D}" dt="2021-03-05T21:32:12.406" v="72" actId="20577"/>
+          <ac:chgData name="Kevin Gray" userId="91d44a80e12699df" providerId="LiveId" clId="{4052E6BD-5E0E-4D14-ABCB-5B4A4E32484D}" dt="2021-03-06T14:59:23.251" v="1568" actId="20577"/>
           <ac:spMkLst>
             <pc:docMk/>
             <pc:sldMk cId="3529716458" sldId="259"/>
@@ -184,7 +192,7 @@
         </pc:sldMkLst>
       </pc:sldChg>
       <pc:sldChg chg="addSp delSp modSp add mod">
-        <pc:chgData name="Kevin Gray" userId="91d44a80e12699df" providerId="LiveId" clId="{4052E6BD-5E0E-4D14-ABCB-5B4A4E32484D}" dt="2021-03-05T21:44:22.325" v="1057" actId="1076"/>
+        <pc:chgData name="Kevin Gray" userId="91d44a80e12699df" providerId="LiveId" clId="{4052E6BD-5E0E-4D14-ABCB-5B4A4E32484D}" dt="2021-03-06T15:09:29.101" v="1570" actId="1076"/>
         <pc:sldMkLst>
           <pc:docMk/>
           <pc:sldMk cId="3688310994" sldId="260"/>
@@ -214,7 +222,7 @@
           </ac:picMkLst>
         </pc:picChg>
         <pc:picChg chg="add mod">
-          <ac:chgData name="Kevin Gray" userId="91d44a80e12699df" providerId="LiveId" clId="{4052E6BD-5E0E-4D14-ABCB-5B4A4E32484D}" dt="2021-03-05T21:44:22.325" v="1057" actId="1076"/>
+          <ac:chgData name="Kevin Gray" userId="91d44a80e12699df" providerId="LiveId" clId="{4052E6BD-5E0E-4D14-ABCB-5B4A4E32484D}" dt="2021-03-06T15:09:29.101" v="1570" actId="1076"/>
           <ac:picMkLst>
             <pc:docMk/>
             <pc:sldMk cId="3688310994" sldId="260"/>
@@ -223,7 +231,7 @@
         </pc:picChg>
       </pc:sldChg>
       <pc:sldChg chg="modSp add mod">
-        <pc:chgData name="Kevin Gray" userId="91d44a80e12699df" providerId="LiveId" clId="{4052E6BD-5E0E-4D14-ABCB-5B4A4E32484D}" dt="2021-03-05T21:39:09.038" v="915" actId="20577"/>
+        <pc:chgData name="Kevin Gray" userId="91d44a80e12699df" providerId="LiveId" clId="{4052E6BD-5E0E-4D14-ABCB-5B4A4E32484D}" dt="2021-03-06T15:10:59.636" v="1604"/>
         <pc:sldMkLst>
           <pc:docMk/>
           <pc:sldMk cId="705752475" sldId="261"/>
@@ -237,7 +245,7 @@
           </ac:spMkLst>
         </pc:spChg>
         <pc:spChg chg="mod">
-          <ac:chgData name="Kevin Gray" userId="91d44a80e12699df" providerId="LiveId" clId="{4052E6BD-5E0E-4D14-ABCB-5B4A4E32484D}" dt="2021-03-05T21:39:09.038" v="915" actId="20577"/>
+          <ac:chgData name="Kevin Gray" userId="91d44a80e12699df" providerId="LiveId" clId="{4052E6BD-5E0E-4D14-ABCB-5B4A4E32484D}" dt="2021-03-06T15:10:59.636" v="1604"/>
           <ac:spMkLst>
             <pc:docMk/>
             <pc:sldMk cId="705752475" sldId="261"/>
@@ -245,8 +253,8 @@
           </ac:spMkLst>
         </pc:spChg>
       </pc:sldChg>
-      <pc:sldChg chg="modSp add mod">
-        <pc:chgData name="Kevin Gray" userId="91d44a80e12699df" providerId="LiveId" clId="{4052E6BD-5E0E-4D14-ABCB-5B4A4E32484D}" dt="2021-03-05T22:01:27.289" v="1372"/>
+      <pc:sldChg chg="modSp add mod ord">
+        <pc:chgData name="Kevin Gray" userId="91d44a80e12699df" providerId="LiveId" clId="{4052E6BD-5E0E-4D14-ABCB-5B4A4E32484D}" dt="2021-03-06T15:15:01.325" v="1648"/>
         <pc:sldMkLst>
           <pc:docMk/>
           <pc:sldMk cId="2681568414" sldId="262"/>
@@ -260,7 +268,7 @@
           </ac:spMkLst>
         </pc:spChg>
         <pc:spChg chg="mod">
-          <ac:chgData name="Kevin Gray" userId="91d44a80e12699df" providerId="LiveId" clId="{4052E6BD-5E0E-4D14-ABCB-5B4A4E32484D}" dt="2021-03-05T22:01:27.289" v="1372"/>
+          <ac:chgData name="Kevin Gray" userId="91d44a80e12699df" providerId="LiveId" clId="{4052E6BD-5E0E-4D14-ABCB-5B4A4E32484D}" dt="2021-03-06T15:15:01.325" v="1648"/>
           <ac:spMkLst>
             <pc:docMk/>
             <pc:sldMk cId="2681568414" sldId="262"/>
@@ -269,7 +277,7 @@
         </pc:spChg>
       </pc:sldChg>
       <pc:sldChg chg="modSp add mod">
-        <pc:chgData name="Kevin Gray" userId="91d44a80e12699df" providerId="LiveId" clId="{4052E6BD-5E0E-4D14-ABCB-5B4A4E32484D}" dt="2021-03-05T22:03:05.268" v="1439" actId="20577"/>
+        <pc:chgData name="Kevin Gray" userId="91d44a80e12699df" providerId="LiveId" clId="{4052E6BD-5E0E-4D14-ABCB-5B4A4E32484D}" dt="2021-03-06T15:16:24.861" v="1661" actId="20577"/>
         <pc:sldMkLst>
           <pc:docMk/>
           <pc:sldMk cId="3780492875" sldId="263"/>
@@ -283,7 +291,7 @@
           </ac:spMkLst>
         </pc:spChg>
         <pc:spChg chg="mod">
-          <ac:chgData name="Kevin Gray" userId="91d44a80e12699df" providerId="LiveId" clId="{4052E6BD-5E0E-4D14-ABCB-5B4A4E32484D}" dt="2021-03-05T22:03:05.268" v="1439" actId="20577"/>
+          <ac:chgData name="Kevin Gray" userId="91d44a80e12699df" providerId="LiveId" clId="{4052E6BD-5E0E-4D14-ABCB-5B4A4E32484D}" dt="2021-03-06T15:16:24.861" v="1661" actId="20577"/>
           <ac:spMkLst>
             <pc:docMk/>
             <pc:sldMk cId="3780492875" sldId="263"/>
@@ -292,7 +300,7 @@
         </pc:spChg>
       </pc:sldChg>
       <pc:sldChg chg="modSp add mod">
-        <pc:chgData name="Kevin Gray" userId="91d44a80e12699df" providerId="LiveId" clId="{4052E6BD-5E0E-4D14-ABCB-5B4A4E32484D}" dt="2021-03-05T22:03:20.020" v="1451" actId="20577"/>
+        <pc:chgData name="Kevin Gray" userId="91d44a80e12699df" providerId="LiveId" clId="{4052E6BD-5E0E-4D14-ABCB-5B4A4E32484D}" dt="2021-03-06T15:33:43.517" v="2083" actId="20577"/>
         <pc:sldMkLst>
           <pc:docMk/>
           <pc:sldMk cId="1592997081" sldId="264"/>
@@ -303,6 +311,14 @@
             <pc:docMk/>
             <pc:sldMk cId="1592997081" sldId="264"/>
             <ac:spMk id="2" creationId="{453E0CE5-D36E-43F8-B706-780D4C0BC3A4}"/>
+          </ac:spMkLst>
+        </pc:spChg>
+        <pc:spChg chg="mod">
+          <ac:chgData name="Kevin Gray" userId="91d44a80e12699df" providerId="LiveId" clId="{4052E6BD-5E0E-4D14-ABCB-5B4A4E32484D}" dt="2021-03-06T15:33:43.517" v="2083" actId="20577"/>
+          <ac:spMkLst>
+            <pc:docMk/>
+            <pc:sldMk cId="1592997081" sldId="264"/>
+            <ac:spMk id="3" creationId="{8E516A47-C12D-4A30-A858-1098C543DC33}"/>
           </ac:spMkLst>
         </pc:spChg>
       </pc:sldChg>
@@ -4616,7 +4632,7 @@
           <a:p>
             <a:fld id="{48A87A34-81AB-432B-8DAE-1953F412C126}" type="datetimeFigureOut">
               <a:rPr lang="en-US" smtClean="0"/>
-              <a:t>3/5/2021</a:t>
+              <a:t>3/6/2021</a:t>
             </a:fld>
             <a:endParaRPr lang="en-US" dirty="0"/>
           </a:p>
@@ -4883,7 +4899,7 @@
           <a:p>
             <a:fld id="{48A87A34-81AB-432B-8DAE-1953F412C126}" type="datetimeFigureOut">
               <a:rPr lang="en-US" smtClean="0"/>
-              <a:t>3/5/2021</a:t>
+              <a:t>3/6/2021</a:t>
             </a:fld>
             <a:endParaRPr lang="en-US" dirty="0"/>
           </a:p>
@@ -5079,7 +5095,7 @@
           <a:p>
             <a:fld id="{48A87A34-81AB-432B-8DAE-1953F412C126}" type="datetimeFigureOut">
               <a:rPr lang="en-US" smtClean="0"/>
-              <a:t>3/5/2021</a:t>
+              <a:t>3/6/2021</a:t>
             </a:fld>
             <a:endParaRPr lang="en-US" dirty="0"/>
           </a:p>
@@ -5342,7 +5358,7 @@
           <a:p>
             <a:fld id="{48A87A34-81AB-432B-8DAE-1953F412C126}" type="datetimeFigureOut">
               <a:rPr lang="en-US" smtClean="0"/>
-              <a:t>3/5/2021</a:t>
+              <a:t>3/6/2021</a:t>
             </a:fld>
             <a:endParaRPr lang="en-US" dirty="0"/>
           </a:p>
@@ -5776,7 +5792,7 @@
           <a:p>
             <a:fld id="{48A87A34-81AB-432B-8DAE-1953F412C126}" type="datetimeFigureOut">
               <a:rPr lang="en-US" smtClean="0"/>
-              <a:t>3/5/2021</a:t>
+              <a:t>3/6/2021</a:t>
             </a:fld>
             <a:endParaRPr lang="en-US" dirty="0"/>
           </a:p>
@@ -6322,7 +6338,7 @@
           <a:p>
             <a:fld id="{48A87A34-81AB-432B-8DAE-1953F412C126}" type="datetimeFigureOut">
               <a:rPr lang="en-US" smtClean="0"/>
-              <a:t>3/5/2021</a:t>
+              <a:t>3/6/2021</a:t>
             </a:fld>
             <a:endParaRPr lang="en-US" dirty="0"/>
           </a:p>
@@ -7042,7 +7058,7 @@
           <a:p>
             <a:fld id="{48A87A34-81AB-432B-8DAE-1953F412C126}" type="datetimeFigureOut">
               <a:rPr lang="en-US" smtClean="0"/>
-              <a:t>3/5/2021</a:t>
+              <a:t>3/6/2021</a:t>
             </a:fld>
             <a:endParaRPr lang="en-US" dirty="0"/>
           </a:p>
@@ -7212,7 +7228,7 @@
           <a:p>
             <a:fld id="{48A87A34-81AB-432B-8DAE-1953F412C126}" type="datetimeFigureOut">
               <a:rPr lang="en-US" smtClean="0"/>
-              <a:t>3/5/2021</a:t>
+              <a:t>3/6/2021</a:t>
             </a:fld>
             <a:endParaRPr lang="en-US" dirty="0"/>
           </a:p>
@@ -7392,7 +7408,7 @@
           <a:p>
             <a:fld id="{48A87A34-81AB-432B-8DAE-1953F412C126}" type="datetimeFigureOut">
               <a:rPr lang="en-US" smtClean="0"/>
-              <a:t>3/5/2021</a:t>
+              <a:t>3/6/2021</a:t>
             </a:fld>
             <a:endParaRPr lang="en-US" dirty="0"/>
           </a:p>
@@ -7562,7 +7578,7 @@
           <a:p>
             <a:fld id="{48A87A34-81AB-432B-8DAE-1953F412C126}" type="datetimeFigureOut">
               <a:rPr lang="en-US" smtClean="0"/>
-              <a:t>3/5/2021</a:t>
+              <a:t>3/6/2021</a:t>
             </a:fld>
             <a:endParaRPr lang="en-US" dirty="0"/>
           </a:p>
@@ -7812,7 +7828,7 @@
           <a:p>
             <a:fld id="{48A87A34-81AB-432B-8DAE-1953F412C126}" type="datetimeFigureOut">
               <a:rPr lang="en-US" smtClean="0"/>
-              <a:t>3/5/2021</a:t>
+              <a:t>3/6/2021</a:t>
             </a:fld>
             <a:endParaRPr lang="en-US" dirty="0"/>
           </a:p>
@@ -8044,7 +8060,7 @@
           <a:p>
             <a:fld id="{48A87A34-81AB-432B-8DAE-1953F412C126}" type="datetimeFigureOut">
               <a:rPr lang="en-US" smtClean="0"/>
-              <a:t>3/5/2021</a:t>
+              <a:t>3/6/2021</a:t>
             </a:fld>
             <a:endParaRPr lang="en-US" dirty="0"/>
           </a:p>
@@ -8425,7 +8441,7 @@
           <a:p>
             <a:fld id="{48A87A34-81AB-432B-8DAE-1953F412C126}" type="datetimeFigureOut">
               <a:rPr lang="en-US" smtClean="0"/>
-              <a:t>3/5/2021</a:t>
+              <a:t>3/6/2021</a:t>
             </a:fld>
             <a:endParaRPr lang="en-US" dirty="0"/>
           </a:p>
@@ -8543,7 +8559,7 @@
           <a:p>
             <a:fld id="{48A87A34-81AB-432B-8DAE-1953F412C126}" type="datetimeFigureOut">
               <a:rPr lang="en-US" smtClean="0"/>
-              <a:t>3/5/2021</a:t>
+              <a:t>3/6/2021</a:t>
             </a:fld>
             <a:endParaRPr lang="en-US" dirty="0"/>
           </a:p>
@@ -8638,7 +8654,7 @@
           <a:p>
             <a:fld id="{48A87A34-81AB-432B-8DAE-1953F412C126}" type="datetimeFigureOut">
               <a:rPr lang="en-US" smtClean="0"/>
-              <a:t>3/5/2021</a:t>
+              <a:t>3/6/2021</a:t>
             </a:fld>
             <a:endParaRPr lang="en-US" dirty="0"/>
           </a:p>
@@ -8887,7 +8903,7 @@
           <a:p>
             <a:fld id="{48A87A34-81AB-432B-8DAE-1953F412C126}" type="datetimeFigureOut">
               <a:rPr lang="en-US" smtClean="0"/>
-              <a:t>3/5/2021</a:t>
+              <a:t>3/6/2021</a:t>
             </a:fld>
             <a:endParaRPr lang="en-US" dirty="0"/>
           </a:p>
@@ -9167,7 +9183,7 @@
           <a:p>
             <a:fld id="{48A87A34-81AB-432B-8DAE-1953F412C126}" type="datetimeFigureOut">
               <a:rPr lang="en-US" smtClean="0"/>
-              <a:t>3/5/2021</a:t>
+              <a:t>3/6/2021</a:t>
             </a:fld>
             <a:endParaRPr lang="en-US" dirty="0"/>
           </a:p>
@@ -12235,7 +12251,7 @@
             <a:fld id="{48A87A34-81AB-432B-8DAE-1953F412C126}" type="datetimeFigureOut">
               <a:rPr lang="en-US" smtClean="0"/>
               <a:pPr/>
-              <a:t>3/5/2021</a:t>
+              <a:t>3/6/2021</a:t>
             </a:fld>
             <a:endParaRPr lang="en-US" dirty="0"/>
           </a:p>
@@ -12856,6 +12872,80 @@
           </a:bodyPr>
           <a:lstStyle/>
           <a:p>
+            <a:r>
+              <a:rPr lang="en-US" dirty="0">
+                <a:solidFill>
+                  <a:schemeClr val="bg2">
+                    <a:lumMod val="75000"/>
+                  </a:schemeClr>
+                </a:solidFill>
+              </a:rPr>
+              <a:t>We do see a shift to more neutral sentiment after Inauguration Day, with decreases in positive </a:t>
+            </a:r>
+            <a:r>
+              <a:rPr lang="en-US">
+                <a:solidFill>
+                  <a:schemeClr val="bg2">
+                    <a:lumMod val="75000"/>
+                  </a:schemeClr>
+                </a:solidFill>
+              </a:rPr>
+              <a:t>and neutral</a:t>
+            </a:r>
+            <a:endParaRPr lang="en-US" dirty="0">
+              <a:solidFill>
+                <a:schemeClr val="bg2">
+                  <a:lumMod val="75000"/>
+                </a:schemeClr>
+              </a:solidFill>
+            </a:endParaRPr>
+          </a:p>
+          <a:p>
+            <a:r>
+              <a:rPr lang="en-US" dirty="0">
+                <a:solidFill>
+                  <a:schemeClr val="bg2">
+                    <a:lumMod val="75000"/>
+                  </a:schemeClr>
+                </a:solidFill>
+              </a:rPr>
+              <a:t>Hashtags on average were neutral</a:t>
+            </a:r>
+          </a:p>
+          <a:p>
+            <a:r>
+              <a:rPr lang="en-US" dirty="0">
+                <a:solidFill>
+                  <a:schemeClr val="bg2">
+                    <a:lumMod val="75000"/>
+                  </a:schemeClr>
+                </a:solidFill>
+              </a:rPr>
+              <a:t>Verified users are more likely to be sentiment neutral than unverified users</a:t>
+            </a:r>
+          </a:p>
+          <a:p>
+            <a:r>
+              <a:rPr lang="en-US" dirty="0">
+                <a:solidFill>
+                  <a:schemeClr val="bg2">
+                    <a:lumMod val="75000"/>
+                  </a:schemeClr>
+                </a:solidFill>
+              </a:rPr>
+              <a:t>New Twitter users since Feb. 2020 followed the same trend</a:t>
+            </a:r>
+          </a:p>
+          <a:p>
+            <a:endParaRPr lang="en-US" dirty="0">
+              <a:solidFill>
+                <a:schemeClr val="bg2">
+                  <a:lumMod val="75000"/>
+                </a:schemeClr>
+              </a:solidFill>
+            </a:endParaRPr>
+          </a:p>
+          <a:p>
             <a:endParaRPr lang="en-US" dirty="0">
               <a:solidFill>
                 <a:schemeClr val="bg2">
@@ -13130,15 +13220,22 @@
           </a:p>
           <a:p>
             <a:r>
-              <a:rPr lang="en-US" dirty="0">
+              <a:rPr lang="en-US">
                 <a:solidFill>
                   <a:schemeClr val="bg2">
                     <a:lumMod val="75000"/>
                   </a:schemeClr>
                 </a:solidFill>
               </a:rPr>
-              <a:t>Heroku</a:t>
+              <a:t>Netlify</a:t>
             </a:r>
+            <a:endParaRPr lang="en-US" dirty="0">
+              <a:solidFill>
+                <a:schemeClr val="bg2">
+                  <a:lumMod val="75000"/>
+                </a:schemeClr>
+              </a:solidFill>
+            </a:endParaRPr>
           </a:p>
         </p:txBody>
       </p:sp>
@@ -13450,7 +13547,28 @@
                   </a:schemeClr>
                 </a:solidFill>
               </a:rPr>
-              <a:t>Utilized a tweet dataset compiled by data scientist Gabriel </a:t>
+              <a:t>Utilized a </a:t>
+            </a:r>
+            <a:r>
+              <a:rPr lang="en-US" dirty="0">
+                <a:solidFill>
+                  <a:schemeClr val="bg2">
+                    <a:lumMod val="75000"/>
+                  </a:schemeClr>
+                </a:solidFill>
+                <a:hlinkClick r:id="rId3"/>
+              </a:rPr>
+              <a:t>tweet dataset</a:t>
+            </a:r>
+            <a:r>
+              <a:rPr lang="en-US" dirty="0">
+                <a:solidFill>
+                  <a:schemeClr val="bg2">
+                    <a:lumMod val="75000"/>
+                  </a:schemeClr>
+                </a:solidFill>
+              </a:rPr>
+              <a:t>, found on Kaggle, compiled by data scientist Gabriel </a:t>
             </a:r>
             <a:r>
               <a:rPr lang="en-US" dirty="0" err="1">
@@ -13600,7 +13718,9 @@
         </p:nvSpPr>
         <p:spPr/>
         <p:txBody>
-          <a:bodyPr/>
+          <a:bodyPr>
+            <a:normAutofit fontScale="92500" lnSpcReduction="10000"/>
+          </a:bodyPr>
           <a:lstStyle/>
           <a:p>
             <a:r>
@@ -13623,7 +13743,19 @@
                   </a:schemeClr>
                 </a:solidFill>
               </a:rPr>
-              <a:t>Format data using Pandas</a:t>
+              <a:t>Format data using Pandas </a:t>
+            </a:r>
+          </a:p>
+          <a:p>
+            <a:r>
+              <a:rPr lang="en-US" dirty="0">
+                <a:solidFill>
+                  <a:schemeClr val="bg2">
+                    <a:lumMod val="75000"/>
+                  </a:schemeClr>
+                </a:solidFill>
+              </a:rPr>
+              <a:t>Run sentiment analysis VADER</a:t>
             </a:r>
           </a:p>
           <a:p>
@@ -13671,7 +13803,7 @@
                   </a:schemeClr>
                 </a:solidFill>
               </a:rPr>
-              <a:t>Deploy project through Heroku</a:t>
+              <a:t>Deploy project through Netlify</a:t>
             </a:r>
           </a:p>
         </p:txBody>
@@ -13841,13 +13973,8 @@
                   </a:schemeClr>
                 </a:solidFill>
               </a:rPr>
-              <a:t>https://github.com/cjhutto/vaderSentiment/blob/master/README.rst</a:t>
+              <a:t>https://github.com/cjhutto/vaderSentiment</a:t>
             </a:r>
-          </a:p>
-          <a:p>
-            <a:pPr marL="0" indent="0">
-              <a:buNone/>
-            </a:pPr>
             <a:endParaRPr lang="en-US" sz="1500" b="0" i="1" dirty="0">
               <a:solidFill>
                 <a:srgbClr val="797979"/>
@@ -14099,13 +14226,16 @@
           </a:bodyPr>
           <a:lstStyle/>
           <a:p>
-            <a:endParaRPr lang="en-US" dirty="0">
-              <a:solidFill>
-                <a:schemeClr val="bg2">
-                  <a:lumMod val="75000"/>
-                </a:schemeClr>
-              </a:solidFill>
-            </a:endParaRPr>
+            <a:r>
+              <a:rPr lang="en-US" dirty="0">
+                <a:solidFill>
+                  <a:schemeClr val="bg2">
+                    <a:lumMod val="75000"/>
+                  </a:schemeClr>
+                </a:solidFill>
+              </a:rPr>
+              <a:t>We see spikes</a:t>
+            </a:r>
           </a:p>
         </p:txBody>
       </p:sp>

--- a/Presentation.pptx
+++ b/Presentation.pptx
@@ -7,14 +7,13 @@
   <p:sldIdLst>
     <p:sldId id="256" r:id="rId2"/>
     <p:sldId id="257" r:id="rId3"/>
-    <p:sldId id="259" r:id="rId4"/>
-    <p:sldId id="260" r:id="rId5"/>
-    <p:sldId id="261" r:id="rId6"/>
-    <p:sldId id="258" r:id="rId7"/>
-    <p:sldId id="262" r:id="rId8"/>
-    <p:sldId id="265" r:id="rId9"/>
-    <p:sldId id="263" r:id="rId10"/>
-    <p:sldId id="264" r:id="rId11"/>
+    <p:sldId id="260" r:id="rId4"/>
+    <p:sldId id="261" r:id="rId5"/>
+    <p:sldId id="258" r:id="rId6"/>
+    <p:sldId id="262" r:id="rId7"/>
+    <p:sldId id="265" r:id="rId8"/>
+    <p:sldId id="259" r:id="rId9"/>
+    <p:sldId id="264" r:id="rId10"/>
   </p:sldIdLst>
   <p:sldSz cx="12192000" cy="6858000"/>
   <p:notesSz cx="6858000" cy="9144000"/>
@@ -121,6 +120,18 @@
 </p:presentation>
 </file>
 
+<file path=ppt/commentAuthors.xml><?xml version="1.0" encoding="utf-8"?>
+<p:cmAuthorLst xmlns:a="http://schemas.openxmlformats.org/drawingml/2006/main" xmlns:r="http://schemas.openxmlformats.org/officeDocument/2006/relationships" xmlns:p="http://schemas.openxmlformats.org/presentationml/2006/main">
+  <p:cmAuthor id="1" name="Kevin Gray" initials="KG" lastIdx="1" clrIdx="0">
+    <p:extLst>
+      <p:ext uri="{19B8F6BF-5375-455C-9EA6-DF929625EA0E}">
+        <p15:presenceInfo xmlns:p15="http://schemas.microsoft.com/office/powerpoint/2012/main" userId="91d44a80e12699df" providerId="Windows Live"/>
+      </p:ext>
+    </p:extLst>
+  </p:cmAuthor>
+</p:cmAuthorLst>
+</file>
+
 <file path=ppt/revisionInfo.xml><?xml version="1.0" encoding="utf-8"?>
 <p1510:revInfo xmlns:a="http://schemas.openxmlformats.org/drawingml/2006/main" xmlns:r="http://schemas.openxmlformats.org/officeDocument/2006/relationships" xmlns:p1510="http://schemas.microsoft.com/office/powerpoint/2015/10/main">
   <p1510:revLst>
@@ -134,7 +145,7 @@
   <pc:docChgLst>
     <pc:chgData name="Kevin Gray" userId="91d44a80e12699df" providerId="LiveId" clId="{4052E6BD-5E0E-4D14-ABCB-5B4A4E32484D}"/>
     <pc:docChg chg="undo custSel addSld delSld modSld sldOrd">
-      <pc:chgData name="Kevin Gray" userId="91d44a80e12699df" providerId="LiveId" clId="{4052E6BD-5E0E-4D14-ABCB-5B4A4E32484D}" dt="2021-03-06T15:33:43.517" v="2083" actId="20577"/>
+      <pc:chgData name="Kevin Gray" userId="91d44a80e12699df" providerId="LiveId" clId="{4052E6BD-5E0E-4D14-ABCB-5B4A4E32484D}" dt="2021-03-06T18:17:31.307" v="2617" actId="20577"/>
       <pc:docMkLst>
         <pc:docMk/>
       </pc:docMkLst>
@@ -161,8 +172,8 @@
           </ac:spMkLst>
         </pc:spChg>
       </pc:sldChg>
-      <pc:sldChg chg="modSp mod">
-        <pc:chgData name="Kevin Gray" userId="91d44a80e12699df" providerId="LiveId" clId="{4052E6BD-5E0E-4D14-ABCB-5B4A4E32484D}" dt="2021-03-06T14:59:23.251" v="1568" actId="20577"/>
+      <pc:sldChg chg="modSp mod ord">
+        <pc:chgData name="Kevin Gray" userId="91d44a80e12699df" providerId="LiveId" clId="{4052E6BD-5E0E-4D14-ABCB-5B4A4E32484D}" dt="2021-03-06T18:11:08.125" v="2238"/>
         <pc:sldMkLst>
           <pc:docMk/>
           <pc:sldMk cId="3529716458" sldId="259"/>
@@ -231,7 +242,7 @@
         </pc:picChg>
       </pc:sldChg>
       <pc:sldChg chg="modSp add mod">
-        <pc:chgData name="Kevin Gray" userId="91d44a80e12699df" providerId="LiveId" clId="{4052E6BD-5E0E-4D14-ABCB-5B4A4E32484D}" dt="2021-03-06T15:10:59.636" v="1604"/>
+        <pc:chgData name="Kevin Gray" userId="91d44a80e12699df" providerId="LiveId" clId="{4052E6BD-5E0E-4D14-ABCB-5B4A4E32484D}" dt="2021-03-06T18:14:00.632" v="2245" actId="20577"/>
         <pc:sldMkLst>
           <pc:docMk/>
           <pc:sldMk cId="705752475" sldId="261"/>
@@ -245,7 +256,7 @@
           </ac:spMkLst>
         </pc:spChg>
         <pc:spChg chg="mod">
-          <ac:chgData name="Kevin Gray" userId="91d44a80e12699df" providerId="LiveId" clId="{4052E6BD-5E0E-4D14-ABCB-5B4A4E32484D}" dt="2021-03-06T15:10:59.636" v="1604"/>
+          <ac:chgData name="Kevin Gray" userId="91d44a80e12699df" providerId="LiveId" clId="{4052E6BD-5E0E-4D14-ABCB-5B4A4E32484D}" dt="2021-03-06T18:14:00.632" v="2245" actId="20577"/>
           <ac:spMkLst>
             <pc:docMk/>
             <pc:sldMk cId="705752475" sldId="261"/>
@@ -276,8 +287,8 @@
           </ac:spMkLst>
         </pc:spChg>
       </pc:sldChg>
-      <pc:sldChg chg="modSp add mod">
-        <pc:chgData name="Kevin Gray" userId="91d44a80e12699df" providerId="LiveId" clId="{4052E6BD-5E0E-4D14-ABCB-5B4A4E32484D}" dt="2021-03-06T15:16:24.861" v="1661" actId="20577"/>
+      <pc:sldChg chg="modSp add del mod">
+        <pc:chgData name="Kevin Gray" userId="91d44a80e12699df" providerId="LiveId" clId="{4052E6BD-5E0E-4D14-ABCB-5B4A4E32484D}" dt="2021-03-06T18:11:11.205" v="2239" actId="2696"/>
         <pc:sldMkLst>
           <pc:docMk/>
           <pc:sldMk cId="3780492875" sldId="263"/>
@@ -299,8 +310,8 @@
           </ac:spMkLst>
         </pc:spChg>
       </pc:sldChg>
-      <pc:sldChg chg="modSp add mod">
-        <pc:chgData name="Kevin Gray" userId="91d44a80e12699df" providerId="LiveId" clId="{4052E6BD-5E0E-4D14-ABCB-5B4A4E32484D}" dt="2021-03-06T15:33:43.517" v="2083" actId="20577"/>
+      <pc:sldChg chg="modSp add mod addCm delCm">
+        <pc:chgData name="Kevin Gray" userId="91d44a80e12699df" providerId="LiveId" clId="{4052E6BD-5E0E-4D14-ABCB-5B4A4E32484D}" dt="2021-03-06T18:17:31.307" v="2617" actId="20577"/>
         <pc:sldMkLst>
           <pc:docMk/>
           <pc:sldMk cId="1592997081" sldId="264"/>
@@ -314,7 +325,7 @@
           </ac:spMkLst>
         </pc:spChg>
         <pc:spChg chg="mod">
-          <ac:chgData name="Kevin Gray" userId="91d44a80e12699df" providerId="LiveId" clId="{4052E6BD-5E0E-4D14-ABCB-5B4A4E32484D}" dt="2021-03-06T15:33:43.517" v="2083" actId="20577"/>
+          <ac:chgData name="Kevin Gray" userId="91d44a80e12699df" providerId="LiveId" clId="{4052E6BD-5E0E-4D14-ABCB-5B4A4E32484D}" dt="2021-03-06T18:17:31.307" v="2617" actId="20577"/>
           <ac:spMkLst>
             <pc:docMk/>
             <pc:sldMk cId="1592997081" sldId="264"/>
@@ -323,7 +334,7 @@
         </pc:spChg>
       </pc:sldChg>
       <pc:sldChg chg="modSp add mod">
-        <pc:chgData name="Kevin Gray" userId="91d44a80e12699df" providerId="LiveId" clId="{4052E6BD-5E0E-4D14-ABCB-5B4A4E32484D}" dt="2021-03-05T22:04:49.327" v="1557" actId="20577"/>
+        <pc:chgData name="Kevin Gray" userId="91d44a80e12699df" providerId="LiveId" clId="{4052E6BD-5E0E-4D14-ABCB-5B4A4E32484D}" dt="2021-03-06T18:09:54.886" v="2234" actId="20577"/>
         <pc:sldMkLst>
           <pc:docMk/>
           <pc:sldMk cId="1305285333" sldId="265"/>
@@ -337,7 +348,7 @@
           </ac:spMkLst>
         </pc:spChg>
         <pc:spChg chg="mod">
-          <ac:chgData name="Kevin Gray" userId="91d44a80e12699df" providerId="LiveId" clId="{4052E6BD-5E0E-4D14-ABCB-5B4A4E32484D}" dt="2021-03-05T22:04:49.327" v="1557" actId="20577"/>
+          <ac:chgData name="Kevin Gray" userId="91d44a80e12699df" providerId="LiveId" clId="{4052E6BD-5E0E-4D14-ABCB-5B4A4E32484D}" dt="2021-03-06T18:09:54.886" v="2234" actId="20577"/>
           <ac:spMkLst>
             <pc:docMk/>
             <pc:sldMk cId="1305285333" sldId="265"/>
@@ -407,7 +418,7 @@
           <a:noFill/>
           <a:extLst>
             <a:ext uri="{909E8E84-426E-40dd-AFC4-6F175D3DCCD1}">
-              <a14:hiddenFill xmlns:a14="http://schemas.microsoft.com/office/drawing/2010/main" xmlns="">
+              <a14:hiddenFill xmlns="" xmlns:a14="http://schemas.microsoft.com/office/drawing/2010/main">
                 <a:solidFill>
                   <a:srgbClr val="FFFFFF"/>
                 </a:solidFill>
@@ -466,7 +477,7 @@
             </a:ln>
             <a:extLst>
               <a:ext uri="{91240B29-F687-4f45-9708-019B960494DF}">
-                <a14:hiddenLine xmlns:a14="http://schemas.microsoft.com/office/drawing/2010/main" xmlns="" w="9525">
+                <a14:hiddenLine xmlns="" xmlns:a14="http://schemas.microsoft.com/office/drawing/2010/main" w="9525">
                   <a:solidFill>
                     <a:srgbClr val="000000"/>
                   </a:solidFill>
@@ -556,7 +567,7 @@
             </a:ln>
             <a:extLst>
               <a:ext uri="{91240B29-F687-4f45-9708-019B960494DF}">
-                <a14:hiddenLine xmlns:a14="http://schemas.microsoft.com/office/drawing/2010/main" xmlns="" w="9525">
+                <a14:hiddenLine xmlns="" xmlns:a14="http://schemas.microsoft.com/office/drawing/2010/main" w="9525">
                   <a:solidFill>
                     <a:srgbClr val="000000"/>
                   </a:solidFill>
@@ -646,7 +657,7 @@
             </a:ln>
             <a:extLst>
               <a:ext uri="{91240B29-F687-4f45-9708-019B960494DF}">
-                <a14:hiddenLine xmlns:a14="http://schemas.microsoft.com/office/drawing/2010/main" xmlns="" w="9525">
+                <a14:hiddenLine xmlns="" xmlns:a14="http://schemas.microsoft.com/office/drawing/2010/main" w="9525">
                   <a:solidFill>
                     <a:srgbClr val="000000"/>
                   </a:solidFill>
@@ -680,7 +691,7 @@
             </a:ln>
             <a:extLst>
               <a:ext uri="{91240B29-F687-4f45-9708-019B960494DF}">
-                <a14:hiddenLine xmlns:a14="http://schemas.microsoft.com/office/drawing/2010/main" xmlns="" w="9525">
+                <a14:hiddenLine xmlns="" xmlns:a14="http://schemas.microsoft.com/office/drawing/2010/main" w="9525">
                   <a:solidFill>
                     <a:srgbClr val="000000"/>
                   </a:solidFill>
@@ -770,7 +781,7 @@
             </a:ln>
             <a:extLst>
               <a:ext uri="{91240B29-F687-4f45-9708-019B960494DF}">
-                <a14:hiddenLine xmlns:a14="http://schemas.microsoft.com/office/drawing/2010/main" xmlns="" w="9525">
+                <a14:hiddenLine xmlns="" xmlns:a14="http://schemas.microsoft.com/office/drawing/2010/main" w="9525">
                   <a:solidFill>
                     <a:srgbClr val="000000"/>
                   </a:solidFill>
@@ -832,7 +843,7 @@
             </a:ln>
             <a:extLst>
               <a:ext uri="{91240B29-F687-4f45-9708-019B960494DF}">
-                <a14:hiddenLine xmlns:a14="http://schemas.microsoft.com/office/drawing/2010/main" xmlns="" w="9525">
+                <a14:hiddenLine xmlns="" xmlns:a14="http://schemas.microsoft.com/office/drawing/2010/main" w="9525">
                   <a:solidFill>
                     <a:srgbClr val="000000"/>
                   </a:solidFill>
@@ -894,7 +905,7 @@
             </a:ln>
             <a:extLst>
               <a:ext uri="{91240B29-F687-4f45-9708-019B960494DF}">
-                <a14:hiddenLine xmlns:a14="http://schemas.microsoft.com/office/drawing/2010/main" xmlns="" w="9525">
+                <a14:hiddenLine xmlns="" xmlns:a14="http://schemas.microsoft.com/office/drawing/2010/main" w="9525">
                   <a:solidFill>
                     <a:srgbClr val="000000"/>
                   </a:solidFill>
@@ -984,7 +995,7 @@
             </a:ln>
             <a:extLst>
               <a:ext uri="{91240B29-F687-4f45-9708-019B960494DF}">
-                <a14:hiddenLine xmlns:a14="http://schemas.microsoft.com/office/drawing/2010/main" xmlns="" w="9525">
+                <a14:hiddenLine xmlns="" xmlns:a14="http://schemas.microsoft.com/office/drawing/2010/main" w="9525">
                   <a:solidFill>
                     <a:srgbClr val="000000"/>
                   </a:solidFill>
@@ -1046,7 +1057,7 @@
             </a:ln>
             <a:extLst>
               <a:ext uri="{91240B29-F687-4f45-9708-019B960494DF}">
-                <a14:hiddenLine xmlns:a14="http://schemas.microsoft.com/office/drawing/2010/main" xmlns="" w="9525">
+                <a14:hiddenLine xmlns="" xmlns:a14="http://schemas.microsoft.com/office/drawing/2010/main" w="9525">
                   <a:solidFill>
                     <a:srgbClr val="000000"/>
                   </a:solidFill>
@@ -1108,7 +1119,7 @@
             </a:ln>
             <a:extLst>
               <a:ext uri="{91240B29-F687-4f45-9708-019B960494DF}">
-                <a14:hiddenLine xmlns:a14="http://schemas.microsoft.com/office/drawing/2010/main" xmlns="" w="9525">
+                <a14:hiddenLine xmlns="" xmlns:a14="http://schemas.microsoft.com/office/drawing/2010/main" w="9525">
                   <a:solidFill>
                     <a:srgbClr val="000000"/>
                   </a:solidFill>
@@ -1198,7 +1209,7 @@
             </a:ln>
             <a:extLst>
               <a:ext uri="{91240B29-F687-4f45-9708-019B960494DF}">
-                <a14:hiddenLine xmlns:a14="http://schemas.microsoft.com/office/drawing/2010/main" xmlns="" w="9525">
+                <a14:hiddenLine xmlns="" xmlns:a14="http://schemas.microsoft.com/office/drawing/2010/main" w="9525">
                   <a:solidFill>
                     <a:srgbClr val="000000"/>
                   </a:solidFill>
@@ -1288,7 +1299,7 @@
             </a:ln>
             <a:extLst>
               <a:ext uri="{91240B29-F687-4f45-9708-019B960494DF}">
-                <a14:hiddenLine xmlns:a14="http://schemas.microsoft.com/office/drawing/2010/main" xmlns="" w="9525">
+                <a14:hiddenLine xmlns="" xmlns:a14="http://schemas.microsoft.com/office/drawing/2010/main" w="9525">
                   <a:solidFill>
                     <a:srgbClr val="000000"/>
                   </a:solidFill>
@@ -1350,7 +1361,7 @@
             </a:ln>
             <a:extLst>
               <a:ext uri="{91240B29-F687-4f45-9708-019B960494DF}">
-                <a14:hiddenLine xmlns:a14="http://schemas.microsoft.com/office/drawing/2010/main" xmlns="" w="9525">
+                <a14:hiddenLine xmlns="" xmlns:a14="http://schemas.microsoft.com/office/drawing/2010/main" w="9525">
                   <a:solidFill>
                     <a:srgbClr val="000000"/>
                   </a:solidFill>
@@ -1460,7 +1471,7 @@
             </a:ln>
             <a:extLst>
               <a:ext uri="{91240B29-F687-4f45-9708-019B960494DF}">
-                <a14:hiddenLine xmlns:a14="http://schemas.microsoft.com/office/drawing/2010/main" xmlns="" w="9525">
+                <a14:hiddenLine xmlns="" xmlns:a14="http://schemas.microsoft.com/office/drawing/2010/main" w="9525">
                   <a:solidFill>
                     <a:srgbClr val="000000"/>
                   </a:solidFill>
@@ -1522,7 +1533,7 @@
             </a:ln>
             <a:extLst>
               <a:ext uri="{91240B29-F687-4f45-9708-019B960494DF}">
-                <a14:hiddenLine xmlns:a14="http://schemas.microsoft.com/office/drawing/2010/main" xmlns="" w="9525">
+                <a14:hiddenLine xmlns="" xmlns:a14="http://schemas.microsoft.com/office/drawing/2010/main" w="9525">
                   <a:solidFill>
                     <a:srgbClr val="000000"/>
                   </a:solidFill>
@@ -1612,7 +1623,7 @@
             </a:ln>
             <a:extLst>
               <a:ext uri="{91240B29-F687-4f45-9708-019B960494DF}">
-                <a14:hiddenLine xmlns:a14="http://schemas.microsoft.com/office/drawing/2010/main" xmlns="" w="9525">
+                <a14:hiddenLine xmlns="" xmlns:a14="http://schemas.microsoft.com/office/drawing/2010/main" w="9525">
                   <a:solidFill>
                     <a:srgbClr val="000000"/>
                   </a:solidFill>
@@ -1702,7 +1713,7 @@
             </a:ln>
             <a:extLst>
               <a:ext uri="{91240B29-F687-4f45-9708-019B960494DF}">
-                <a14:hiddenLine xmlns:a14="http://schemas.microsoft.com/office/drawing/2010/main" xmlns="" w="9525">
+                <a14:hiddenLine xmlns="" xmlns:a14="http://schemas.microsoft.com/office/drawing/2010/main" w="9525">
                   <a:solidFill>
                     <a:srgbClr val="000000"/>
                   </a:solidFill>
@@ -1764,7 +1775,7 @@
             </a:ln>
             <a:extLst>
               <a:ext uri="{91240B29-F687-4f45-9708-019B960494DF}">
-                <a14:hiddenLine xmlns:a14="http://schemas.microsoft.com/office/drawing/2010/main" xmlns="" w="9525">
+                <a14:hiddenLine xmlns="" xmlns:a14="http://schemas.microsoft.com/office/drawing/2010/main" w="9525">
                   <a:solidFill>
                     <a:srgbClr val="000000"/>
                   </a:solidFill>
@@ -1854,7 +1865,7 @@
             </a:ln>
             <a:extLst>
               <a:ext uri="{91240B29-F687-4f45-9708-019B960494DF}">
-                <a14:hiddenLine xmlns:a14="http://schemas.microsoft.com/office/drawing/2010/main" xmlns="" w="9525">
+                <a14:hiddenLine xmlns="" xmlns:a14="http://schemas.microsoft.com/office/drawing/2010/main" w="9525">
                   <a:solidFill>
                     <a:srgbClr val="000000"/>
                   </a:solidFill>
@@ -1944,7 +1955,7 @@
             </a:ln>
             <a:extLst>
               <a:ext uri="{91240B29-F687-4f45-9708-019B960494DF}">
-                <a14:hiddenLine xmlns:a14="http://schemas.microsoft.com/office/drawing/2010/main" xmlns="" w="9525">
+                <a14:hiddenLine xmlns="" xmlns:a14="http://schemas.microsoft.com/office/drawing/2010/main" w="9525">
                   <a:solidFill>
                     <a:srgbClr val="000000"/>
                   </a:solidFill>
@@ -2000,7 +2011,7 @@
             </a:ln>
             <a:extLst>
               <a:ext uri="{91240B29-F687-4f45-9708-019B960494DF}">
-                <a14:hiddenLine xmlns:a14="http://schemas.microsoft.com/office/drawing/2010/main" xmlns="" w="9525">
+                <a14:hiddenLine xmlns="" xmlns:a14="http://schemas.microsoft.com/office/drawing/2010/main" w="9525">
                   <a:solidFill>
                     <a:srgbClr val="000000"/>
                   </a:solidFill>
@@ -2090,7 +2101,7 @@
             </a:ln>
             <a:extLst>
               <a:ext uri="{91240B29-F687-4f45-9708-019B960494DF}">
-                <a14:hiddenLine xmlns:a14="http://schemas.microsoft.com/office/drawing/2010/main" xmlns="" w="9525">
+                <a14:hiddenLine xmlns="" xmlns:a14="http://schemas.microsoft.com/office/drawing/2010/main" w="9525">
                   <a:solidFill>
                     <a:srgbClr val="000000"/>
                   </a:solidFill>
@@ -2146,7 +2157,7 @@
             </a:ln>
             <a:extLst>
               <a:ext uri="{91240B29-F687-4f45-9708-019B960494DF}">
-                <a14:hiddenLine xmlns:a14="http://schemas.microsoft.com/office/drawing/2010/main" xmlns="" w="9525">
+                <a14:hiddenLine xmlns="" xmlns:a14="http://schemas.microsoft.com/office/drawing/2010/main" w="9525">
                   <a:solidFill>
                     <a:srgbClr val="000000"/>
                   </a:solidFill>
@@ -2236,7 +2247,7 @@
             </a:ln>
             <a:extLst>
               <a:ext uri="{91240B29-F687-4f45-9708-019B960494DF}">
-                <a14:hiddenLine xmlns:a14="http://schemas.microsoft.com/office/drawing/2010/main" xmlns="" w="9525">
+                <a14:hiddenLine xmlns="" xmlns:a14="http://schemas.microsoft.com/office/drawing/2010/main" w="9525">
                   <a:solidFill>
                     <a:srgbClr val="000000"/>
                   </a:solidFill>
@@ -2304,7 +2315,7 @@
             </a:ln>
             <a:extLst>
               <a:ext uri="{91240B29-F687-4f45-9708-019B960494DF}">
-                <a14:hiddenLine xmlns:a14="http://schemas.microsoft.com/office/drawing/2010/main" xmlns="" w="9525">
+                <a14:hiddenLine xmlns="" xmlns:a14="http://schemas.microsoft.com/office/drawing/2010/main" w="9525">
                   <a:solidFill>
                     <a:srgbClr val="000000"/>
                   </a:solidFill>
@@ -2394,7 +2405,7 @@
             </a:ln>
             <a:extLst>
               <a:ext uri="{91240B29-F687-4f45-9708-019B960494DF}">
-                <a14:hiddenLine xmlns:a14="http://schemas.microsoft.com/office/drawing/2010/main" xmlns="" w="9525">
+                <a14:hiddenLine xmlns="" xmlns:a14="http://schemas.microsoft.com/office/drawing/2010/main" w="9525">
                   <a:solidFill>
                     <a:srgbClr val="000000"/>
                   </a:solidFill>
@@ -2462,7 +2473,7 @@
             </a:ln>
             <a:extLst>
               <a:ext uri="{91240B29-F687-4f45-9708-019B960494DF}">
-                <a14:hiddenLine xmlns:a14="http://schemas.microsoft.com/office/drawing/2010/main" xmlns="" w="9525">
+                <a14:hiddenLine xmlns="" xmlns:a14="http://schemas.microsoft.com/office/drawing/2010/main" w="9525">
                   <a:solidFill>
                     <a:srgbClr val="000000"/>
                   </a:solidFill>
@@ -2552,7 +2563,7 @@
             </a:ln>
             <a:extLst>
               <a:ext uri="{91240B29-F687-4f45-9708-019B960494DF}">
-                <a14:hiddenLine xmlns:a14="http://schemas.microsoft.com/office/drawing/2010/main" xmlns="" w="9525">
+                <a14:hiddenLine xmlns="" xmlns:a14="http://schemas.microsoft.com/office/drawing/2010/main" w="9525">
                   <a:solidFill>
                     <a:srgbClr val="000000"/>
                   </a:solidFill>
@@ -2586,7 +2597,7 @@
             </a:ln>
             <a:extLst>
               <a:ext uri="{91240B29-F687-4f45-9708-019B960494DF}">
-                <a14:hiddenLine xmlns:a14="http://schemas.microsoft.com/office/drawing/2010/main" xmlns="" w="9525">
+                <a14:hiddenLine xmlns="" xmlns:a14="http://schemas.microsoft.com/office/drawing/2010/main" w="9525">
                   <a:solidFill>
                     <a:srgbClr val="000000"/>
                   </a:solidFill>
@@ -2676,7 +2687,7 @@
             </a:ln>
             <a:extLst>
               <a:ext uri="{91240B29-F687-4f45-9708-019B960494DF}">
-                <a14:hiddenLine xmlns:a14="http://schemas.microsoft.com/office/drawing/2010/main" xmlns="" w="9525">
+                <a14:hiddenLine xmlns="" xmlns:a14="http://schemas.microsoft.com/office/drawing/2010/main" w="9525">
                   <a:solidFill>
                     <a:srgbClr val="000000"/>
                   </a:solidFill>
@@ -2738,7 +2749,7 @@
             </a:ln>
             <a:extLst>
               <a:ext uri="{91240B29-F687-4f45-9708-019B960494DF}">
-                <a14:hiddenLine xmlns:a14="http://schemas.microsoft.com/office/drawing/2010/main" xmlns="" w="9525">
+                <a14:hiddenLine xmlns="" xmlns:a14="http://schemas.microsoft.com/office/drawing/2010/main" w="9525">
                   <a:solidFill>
                     <a:srgbClr val="000000"/>
                   </a:solidFill>
@@ -2800,7 +2811,7 @@
             </a:ln>
             <a:extLst>
               <a:ext uri="{91240B29-F687-4f45-9708-019B960494DF}">
-                <a14:hiddenLine xmlns:a14="http://schemas.microsoft.com/office/drawing/2010/main" xmlns="" w="9525">
+                <a14:hiddenLine xmlns="" xmlns:a14="http://schemas.microsoft.com/office/drawing/2010/main" w="9525">
                   <a:solidFill>
                     <a:srgbClr val="000000"/>
                   </a:solidFill>
@@ -2890,7 +2901,7 @@
             </a:ln>
             <a:extLst>
               <a:ext uri="{91240B29-F687-4f45-9708-019B960494DF}">
-                <a14:hiddenLine xmlns:a14="http://schemas.microsoft.com/office/drawing/2010/main" xmlns="" w="9525">
+                <a14:hiddenLine xmlns="" xmlns:a14="http://schemas.microsoft.com/office/drawing/2010/main" w="9525">
                   <a:solidFill>
                     <a:srgbClr val="000000"/>
                   </a:solidFill>
@@ -2958,7 +2969,7 @@
             </a:ln>
             <a:extLst>
               <a:ext uri="{91240B29-F687-4f45-9708-019B960494DF}">
-                <a14:hiddenLine xmlns:a14="http://schemas.microsoft.com/office/drawing/2010/main" xmlns="" w="9525">
+                <a14:hiddenLine xmlns="" xmlns:a14="http://schemas.microsoft.com/office/drawing/2010/main" w="9525">
                   <a:solidFill>
                     <a:srgbClr val="000000"/>
                   </a:solidFill>
@@ -3020,7 +3031,7 @@
             </a:ln>
             <a:extLst>
               <a:ext uri="{91240B29-F687-4f45-9708-019B960494DF}">
-                <a14:hiddenLine xmlns:a14="http://schemas.microsoft.com/office/drawing/2010/main" xmlns="" w="9525">
+                <a14:hiddenLine xmlns="" xmlns:a14="http://schemas.microsoft.com/office/drawing/2010/main" w="9525">
                   <a:solidFill>
                     <a:srgbClr val="000000"/>
                   </a:solidFill>
@@ -3110,7 +3121,7 @@
             </a:ln>
             <a:extLst>
               <a:ext uri="{91240B29-F687-4f45-9708-019B960494DF}">
-                <a14:hiddenLine xmlns:a14="http://schemas.microsoft.com/office/drawing/2010/main" xmlns="" w="9525">
+                <a14:hiddenLine xmlns="" xmlns:a14="http://schemas.microsoft.com/office/drawing/2010/main" w="9525">
                   <a:solidFill>
                     <a:srgbClr val="000000"/>
                   </a:solidFill>
@@ -3172,7 +3183,7 @@
             </a:ln>
             <a:extLst>
               <a:ext uri="{91240B29-F687-4f45-9708-019B960494DF}">
-                <a14:hiddenLine xmlns:a14="http://schemas.microsoft.com/office/drawing/2010/main" xmlns="" w="9525">
+                <a14:hiddenLine xmlns="" xmlns:a14="http://schemas.microsoft.com/office/drawing/2010/main" w="9525">
                   <a:solidFill>
                     <a:srgbClr val="000000"/>
                   </a:solidFill>
@@ -3262,7 +3273,7 @@
             </a:ln>
             <a:extLst>
               <a:ext uri="{91240B29-F687-4f45-9708-019B960494DF}">
-                <a14:hiddenLine xmlns:a14="http://schemas.microsoft.com/office/drawing/2010/main" xmlns="" w="9525">
+                <a14:hiddenLine xmlns="" xmlns:a14="http://schemas.microsoft.com/office/drawing/2010/main" w="9525">
                   <a:solidFill>
                     <a:srgbClr val="000000"/>
                   </a:solidFill>
@@ -3324,7 +3335,7 @@
             </a:ln>
             <a:extLst>
               <a:ext uri="{91240B29-F687-4f45-9708-019B960494DF}">
-                <a14:hiddenLine xmlns:a14="http://schemas.microsoft.com/office/drawing/2010/main" xmlns="" w="9525">
+                <a14:hiddenLine xmlns="" xmlns:a14="http://schemas.microsoft.com/office/drawing/2010/main" w="9525">
                   <a:solidFill>
                     <a:srgbClr val="000000"/>
                   </a:solidFill>
@@ -3414,7 +3425,7 @@
             </a:ln>
             <a:extLst>
               <a:ext uri="{91240B29-F687-4f45-9708-019B960494DF}">
-                <a14:hiddenLine xmlns:a14="http://schemas.microsoft.com/office/drawing/2010/main" xmlns="" w="9525">
+                <a14:hiddenLine xmlns="" xmlns:a14="http://schemas.microsoft.com/office/drawing/2010/main" w="9525">
                   <a:solidFill>
                     <a:srgbClr val="000000"/>
                   </a:solidFill>
@@ -3448,7 +3459,7 @@
             </a:ln>
             <a:extLst>
               <a:ext uri="{91240B29-F687-4f45-9708-019B960494DF}">
-                <a14:hiddenLine xmlns:a14="http://schemas.microsoft.com/office/drawing/2010/main" xmlns="" w="9525">
+                <a14:hiddenLine xmlns="" xmlns:a14="http://schemas.microsoft.com/office/drawing/2010/main" w="9525">
                   <a:solidFill>
                     <a:srgbClr val="000000"/>
                   </a:solidFill>
@@ -3513,7 +3524,7 @@
             </a:ln>
             <a:extLst>
               <a:ext uri="{91240B29-F687-4f45-9708-019B960494DF}">
-                <a14:hiddenLine xmlns:a14="http://schemas.microsoft.com/office/drawing/2010/main" xmlns="" w="9525">
+                <a14:hiddenLine xmlns="" xmlns:a14="http://schemas.microsoft.com/office/drawing/2010/main" w="9525">
                   <a:solidFill>
                     <a:srgbClr val="000000"/>
                   </a:solidFill>
@@ -3603,7 +3614,7 @@
             </a:ln>
             <a:extLst>
               <a:ext uri="{91240B29-F687-4f45-9708-019B960494DF}">
-                <a14:hiddenLine xmlns:a14="http://schemas.microsoft.com/office/drawing/2010/main" xmlns="" w="9525">
+                <a14:hiddenLine xmlns="" xmlns:a14="http://schemas.microsoft.com/office/drawing/2010/main" w="9525">
                   <a:solidFill>
                     <a:srgbClr val="000000"/>
                   </a:solidFill>
@@ -3665,7 +3676,7 @@
             </a:ln>
             <a:extLst>
               <a:ext uri="{91240B29-F687-4f45-9708-019B960494DF}">
-                <a14:hiddenLine xmlns:a14="http://schemas.microsoft.com/office/drawing/2010/main" xmlns="" w="9525">
+                <a14:hiddenLine xmlns="" xmlns:a14="http://schemas.microsoft.com/office/drawing/2010/main" w="9525">
                   <a:solidFill>
                     <a:srgbClr val="000000"/>
                   </a:solidFill>
@@ -3755,7 +3766,7 @@
             </a:ln>
             <a:extLst>
               <a:ext uri="{91240B29-F687-4f45-9708-019B960494DF}">
-                <a14:hiddenLine xmlns:a14="http://schemas.microsoft.com/office/drawing/2010/main" xmlns="" w="9525">
+                <a14:hiddenLine xmlns="" xmlns:a14="http://schemas.microsoft.com/office/drawing/2010/main" w="9525">
                   <a:solidFill>
                     <a:srgbClr val="000000"/>
                   </a:solidFill>
@@ -3845,7 +3856,7 @@
             </a:ln>
             <a:extLst>
               <a:ext uri="{91240B29-F687-4f45-9708-019B960494DF}">
-                <a14:hiddenLine xmlns:a14="http://schemas.microsoft.com/office/drawing/2010/main" xmlns="" w="9525">
+                <a14:hiddenLine xmlns="" xmlns:a14="http://schemas.microsoft.com/office/drawing/2010/main" w="9525">
                   <a:solidFill>
                     <a:srgbClr val="000000"/>
                   </a:solidFill>
@@ -3910,7 +3921,7 @@
             </a:ln>
             <a:extLst>
               <a:ext uri="{91240B29-F687-4f45-9708-019B960494DF}">
-                <a14:hiddenLine xmlns:a14="http://schemas.microsoft.com/office/drawing/2010/main" xmlns="" w="9525">
+                <a14:hiddenLine xmlns="" xmlns:a14="http://schemas.microsoft.com/office/drawing/2010/main" w="9525">
                   <a:solidFill>
                     <a:srgbClr val="000000"/>
                   </a:solidFill>
@@ -3972,7 +3983,7 @@
             </a:ln>
             <a:extLst>
               <a:ext uri="{91240B29-F687-4f45-9708-019B960494DF}">
-                <a14:hiddenLine xmlns:a14="http://schemas.microsoft.com/office/drawing/2010/main" xmlns="" w="9525">
+                <a14:hiddenLine xmlns="" xmlns:a14="http://schemas.microsoft.com/office/drawing/2010/main" w="9525">
                   <a:solidFill>
                     <a:srgbClr val="000000"/>
                   </a:solidFill>
@@ -4062,7 +4073,7 @@
             </a:ln>
             <a:extLst>
               <a:ext uri="{91240B29-F687-4f45-9708-019B960494DF}">
-                <a14:hiddenLine xmlns:a14="http://schemas.microsoft.com/office/drawing/2010/main" xmlns="" w="9525">
+                <a14:hiddenLine xmlns="" xmlns:a14="http://schemas.microsoft.com/office/drawing/2010/main" w="9525">
                   <a:solidFill>
                     <a:srgbClr val="000000"/>
                   </a:solidFill>
@@ -4152,7 +4163,7 @@
             </a:ln>
             <a:extLst>
               <a:ext uri="{91240B29-F687-4f45-9708-019B960494DF}">
-                <a14:hiddenLine xmlns:a14="http://schemas.microsoft.com/office/drawing/2010/main" xmlns="" w="9525">
+                <a14:hiddenLine xmlns="" xmlns:a14="http://schemas.microsoft.com/office/drawing/2010/main" w="9525">
                   <a:solidFill>
                     <a:srgbClr val="000000"/>
                   </a:solidFill>
@@ -4214,7 +4225,7 @@
             </a:ln>
             <a:extLst>
               <a:ext uri="{91240B29-F687-4f45-9708-019B960494DF}">
-                <a14:hiddenLine xmlns:a14="http://schemas.microsoft.com/office/drawing/2010/main" xmlns="" w="9525">
+                <a14:hiddenLine xmlns="" xmlns:a14="http://schemas.microsoft.com/office/drawing/2010/main" w="9525">
                   <a:solidFill>
                     <a:srgbClr val="000000"/>
                   </a:solidFill>
@@ -4334,7 +4345,7 @@
             </a:ln>
             <a:extLst>
               <a:ext uri="{91240B29-F687-4f45-9708-019B960494DF}">
-                <a14:hiddenLine xmlns:a14="http://schemas.microsoft.com/office/drawing/2010/main" xmlns="" w="9525">
+                <a14:hiddenLine xmlns="" xmlns:a14="http://schemas.microsoft.com/office/drawing/2010/main" w="9525">
                   <a:solidFill>
                     <a:srgbClr val="000000"/>
                   </a:solidFill>
@@ -4402,7 +4413,7 @@
             </a:ln>
             <a:extLst>
               <a:ext uri="{91240B29-F687-4f45-9708-019B960494DF}">
-                <a14:hiddenLine xmlns:a14="http://schemas.microsoft.com/office/drawing/2010/main" xmlns="" w="9525">
+                <a14:hiddenLine xmlns="" xmlns:a14="http://schemas.microsoft.com/office/drawing/2010/main" w="9525">
                   <a:solidFill>
                     <a:srgbClr val="000000"/>
                   </a:solidFill>
@@ -4492,7 +4503,7 @@
             </a:ln>
             <a:extLst>
               <a:ext uri="{91240B29-F687-4f45-9708-019B960494DF}">
-                <a14:hiddenLine xmlns:a14="http://schemas.microsoft.com/office/drawing/2010/main" xmlns="" w="9525">
+                <a14:hiddenLine xmlns="" xmlns:a14="http://schemas.microsoft.com/office/drawing/2010/main" w="9525">
                   <a:solidFill>
                     <a:srgbClr val="000000"/>
                   </a:solidFill>
@@ -9306,7 +9317,7 @@
           <a:noFill/>
           <a:extLst>
             <a:ext uri="{909E8E84-426E-40dd-AFC4-6F175D3DCCD1}">
-              <a14:hiddenFill xmlns:a14="http://schemas.microsoft.com/office/drawing/2010/main" xmlns="">
+              <a14:hiddenFill xmlns="" xmlns:a14="http://schemas.microsoft.com/office/drawing/2010/main">
                 <a:solidFill>
                   <a:srgbClr val="FFFFFF"/>
                 </a:solidFill>
@@ -9380,7 +9391,7 @@
               </a:ln>
               <a:extLst>
                 <a:ext uri="{91240B29-F687-4f45-9708-019B960494DF}">
-                  <a14:hiddenLine xmlns:a14="http://schemas.microsoft.com/office/drawing/2010/main" xmlns="" w="9525">
+                  <a14:hiddenLine xmlns="" xmlns:a14="http://schemas.microsoft.com/office/drawing/2010/main" w="9525">
                     <a:solidFill>
                       <a:srgbClr val="000000"/>
                     </a:solidFill>
@@ -9470,7 +9481,7 @@
               </a:ln>
               <a:extLst>
                 <a:ext uri="{91240B29-F687-4f45-9708-019B960494DF}">
-                  <a14:hiddenLine xmlns:a14="http://schemas.microsoft.com/office/drawing/2010/main" xmlns="" w="9525">
+                  <a14:hiddenLine xmlns="" xmlns:a14="http://schemas.microsoft.com/office/drawing/2010/main" w="9525">
                     <a:solidFill>
                       <a:srgbClr val="000000"/>
                     </a:solidFill>
@@ -9560,7 +9571,7 @@
               </a:ln>
               <a:extLst>
                 <a:ext uri="{91240B29-F687-4f45-9708-019B960494DF}">
-                  <a14:hiddenLine xmlns:a14="http://schemas.microsoft.com/office/drawing/2010/main" xmlns="" w="9525">
+                  <a14:hiddenLine xmlns="" xmlns:a14="http://schemas.microsoft.com/office/drawing/2010/main" w="9525">
                     <a:solidFill>
                       <a:srgbClr val="000000"/>
                     </a:solidFill>
@@ -9622,7 +9633,7 @@
               </a:ln>
               <a:extLst>
                 <a:ext uri="{91240B29-F687-4f45-9708-019B960494DF}">
-                  <a14:hiddenLine xmlns:a14="http://schemas.microsoft.com/office/drawing/2010/main" xmlns="" w="9525">
+                  <a14:hiddenLine xmlns="" xmlns:a14="http://schemas.microsoft.com/office/drawing/2010/main" w="9525">
                     <a:solidFill>
                       <a:srgbClr val="000000"/>
                     </a:solidFill>
@@ -9712,7 +9723,7 @@
               </a:ln>
               <a:extLst>
                 <a:ext uri="{91240B29-F687-4f45-9708-019B960494DF}">
-                  <a14:hiddenLine xmlns:a14="http://schemas.microsoft.com/office/drawing/2010/main" xmlns="" w="9525">
+                  <a14:hiddenLine xmlns="" xmlns:a14="http://schemas.microsoft.com/office/drawing/2010/main" w="9525">
                     <a:solidFill>
                       <a:srgbClr val="000000"/>
                     </a:solidFill>
@@ -9774,7 +9785,7 @@
               </a:ln>
               <a:extLst>
                 <a:ext uri="{91240B29-F687-4f45-9708-019B960494DF}">
-                  <a14:hiddenLine xmlns:a14="http://schemas.microsoft.com/office/drawing/2010/main" xmlns="" w="9525">
+                  <a14:hiddenLine xmlns="" xmlns:a14="http://schemas.microsoft.com/office/drawing/2010/main" w="9525">
                     <a:solidFill>
                       <a:srgbClr val="000000"/>
                     </a:solidFill>
@@ -9836,7 +9847,7 @@
               </a:ln>
               <a:extLst>
                 <a:ext uri="{91240B29-F687-4f45-9708-019B960494DF}">
-                  <a14:hiddenLine xmlns:a14="http://schemas.microsoft.com/office/drawing/2010/main" xmlns="" w="9525">
+                  <a14:hiddenLine xmlns="" xmlns:a14="http://schemas.microsoft.com/office/drawing/2010/main" w="9525">
                     <a:solidFill>
                       <a:srgbClr val="000000"/>
                     </a:solidFill>
@@ -9926,7 +9937,7 @@
               </a:ln>
               <a:extLst>
                 <a:ext uri="{91240B29-F687-4f45-9708-019B960494DF}">
-                  <a14:hiddenLine xmlns:a14="http://schemas.microsoft.com/office/drawing/2010/main" xmlns="" w="9525">
+                  <a14:hiddenLine xmlns="" xmlns:a14="http://schemas.microsoft.com/office/drawing/2010/main" w="9525">
                     <a:solidFill>
                       <a:srgbClr val="000000"/>
                     </a:solidFill>
@@ -10016,7 +10027,7 @@
               </a:ln>
               <a:extLst>
                 <a:ext uri="{91240B29-F687-4f45-9708-019B960494DF}">
-                  <a14:hiddenLine xmlns:a14="http://schemas.microsoft.com/office/drawing/2010/main" xmlns="" w="9525">
+                  <a14:hiddenLine xmlns="" xmlns:a14="http://schemas.microsoft.com/office/drawing/2010/main" w="9525">
                     <a:solidFill>
                       <a:srgbClr val="000000"/>
                     </a:solidFill>
@@ -10078,7 +10089,7 @@
               </a:ln>
               <a:extLst>
                 <a:ext uri="{91240B29-F687-4f45-9708-019B960494DF}">
-                  <a14:hiddenLine xmlns:a14="http://schemas.microsoft.com/office/drawing/2010/main" xmlns="" w="9525">
+                  <a14:hiddenLine xmlns="" xmlns:a14="http://schemas.microsoft.com/office/drawing/2010/main" w="9525">
                     <a:solidFill>
                       <a:srgbClr val="000000"/>
                     </a:solidFill>
@@ -10188,7 +10199,7 @@
               </a:ln>
               <a:extLst>
                 <a:ext uri="{91240B29-F687-4f45-9708-019B960494DF}">
-                  <a14:hiddenLine xmlns:a14="http://schemas.microsoft.com/office/drawing/2010/main" xmlns="" w="9525">
+                  <a14:hiddenLine xmlns="" xmlns:a14="http://schemas.microsoft.com/office/drawing/2010/main" w="9525">
                     <a:solidFill>
                       <a:srgbClr val="000000"/>
                     </a:solidFill>
@@ -10272,7 +10283,7 @@
               </a:ln>
               <a:extLst>
                 <a:ext uri="{91240B29-F687-4f45-9708-019B960494DF}">
-                  <a14:hiddenLine xmlns:a14="http://schemas.microsoft.com/office/drawing/2010/main" xmlns="" w="9525">
+                  <a14:hiddenLine xmlns="" xmlns:a14="http://schemas.microsoft.com/office/drawing/2010/main" w="9525">
                     <a:solidFill>
                       <a:srgbClr val="000000"/>
                     </a:solidFill>
@@ -10334,7 +10345,7 @@
               </a:ln>
               <a:extLst>
                 <a:ext uri="{91240B29-F687-4f45-9708-019B960494DF}">
-                  <a14:hiddenLine xmlns:a14="http://schemas.microsoft.com/office/drawing/2010/main" xmlns="" w="9525">
+                  <a14:hiddenLine xmlns="" xmlns:a14="http://schemas.microsoft.com/office/drawing/2010/main" w="9525">
                     <a:solidFill>
                       <a:srgbClr val="000000"/>
                     </a:solidFill>
@@ -10396,7 +10407,7 @@
               </a:ln>
               <a:extLst>
                 <a:ext uri="{91240B29-F687-4f45-9708-019B960494DF}">
-                  <a14:hiddenLine xmlns:a14="http://schemas.microsoft.com/office/drawing/2010/main" xmlns="" w="9525">
+                  <a14:hiddenLine xmlns="" xmlns:a14="http://schemas.microsoft.com/office/drawing/2010/main" w="9525">
                     <a:solidFill>
                       <a:srgbClr val="000000"/>
                     </a:solidFill>
@@ -10486,7 +10497,7 @@
               </a:ln>
               <a:extLst>
                 <a:ext uri="{91240B29-F687-4f45-9708-019B960494DF}">
-                  <a14:hiddenLine xmlns:a14="http://schemas.microsoft.com/office/drawing/2010/main" xmlns="" w="9525">
+                  <a14:hiddenLine xmlns="" xmlns:a14="http://schemas.microsoft.com/office/drawing/2010/main" w="9525">
                     <a:solidFill>
                       <a:srgbClr val="000000"/>
                     </a:solidFill>
@@ -10520,7 +10531,7 @@
               </a:ln>
               <a:extLst>
                 <a:ext uri="{91240B29-F687-4f45-9708-019B960494DF}">
-                  <a14:hiddenLine xmlns:a14="http://schemas.microsoft.com/office/drawing/2010/main" xmlns="" w="9525">
+                  <a14:hiddenLine xmlns="" xmlns:a14="http://schemas.microsoft.com/office/drawing/2010/main" w="9525">
                     <a:solidFill>
                       <a:srgbClr val="000000"/>
                     </a:solidFill>
@@ -10585,7 +10596,7 @@
               </a:ln>
               <a:extLst>
                 <a:ext uri="{91240B29-F687-4f45-9708-019B960494DF}">
-                  <a14:hiddenLine xmlns:a14="http://schemas.microsoft.com/office/drawing/2010/main" xmlns="" w="9525">
+                  <a14:hiddenLine xmlns="" xmlns:a14="http://schemas.microsoft.com/office/drawing/2010/main" w="9525">
                     <a:solidFill>
                       <a:srgbClr val="000000"/>
                     </a:solidFill>
@@ -10675,7 +10686,7 @@
               </a:ln>
               <a:extLst>
                 <a:ext uri="{91240B29-F687-4f45-9708-019B960494DF}">
-                  <a14:hiddenLine xmlns:a14="http://schemas.microsoft.com/office/drawing/2010/main" xmlns="" w="9525">
+                  <a14:hiddenLine xmlns="" xmlns:a14="http://schemas.microsoft.com/office/drawing/2010/main" w="9525">
                     <a:solidFill>
                       <a:srgbClr val="000000"/>
                     </a:solidFill>
@@ -10737,7 +10748,7 @@
               </a:ln>
               <a:extLst>
                 <a:ext uri="{91240B29-F687-4f45-9708-019B960494DF}">
-                  <a14:hiddenLine xmlns:a14="http://schemas.microsoft.com/office/drawing/2010/main" xmlns="" w="9525">
+                  <a14:hiddenLine xmlns="" xmlns:a14="http://schemas.microsoft.com/office/drawing/2010/main" w="9525">
                     <a:solidFill>
                       <a:srgbClr val="000000"/>
                     </a:solidFill>
@@ -10827,7 +10838,7 @@
               </a:ln>
               <a:extLst>
                 <a:ext uri="{91240B29-F687-4f45-9708-019B960494DF}">
-                  <a14:hiddenLine xmlns:a14="http://schemas.microsoft.com/office/drawing/2010/main" xmlns="" w="9525">
+                  <a14:hiddenLine xmlns="" xmlns:a14="http://schemas.microsoft.com/office/drawing/2010/main" w="9525">
                     <a:solidFill>
                       <a:srgbClr val="000000"/>
                     </a:solidFill>
@@ -10892,7 +10903,7 @@
               </a:ln>
               <a:extLst>
                 <a:ext uri="{91240B29-F687-4f45-9708-019B960494DF}">
-                  <a14:hiddenLine xmlns:a14="http://schemas.microsoft.com/office/drawing/2010/main" xmlns="" w="9525">
+                  <a14:hiddenLine xmlns="" xmlns:a14="http://schemas.microsoft.com/office/drawing/2010/main" w="9525">
                     <a:solidFill>
                       <a:srgbClr val="000000"/>
                     </a:solidFill>
@@ -10954,7 +10965,7 @@
               </a:ln>
               <a:extLst>
                 <a:ext uri="{91240B29-F687-4f45-9708-019B960494DF}">
-                  <a14:hiddenLine xmlns:a14="http://schemas.microsoft.com/office/drawing/2010/main" xmlns="" w="9525">
+                  <a14:hiddenLine xmlns="" xmlns:a14="http://schemas.microsoft.com/office/drawing/2010/main" w="9525">
                     <a:solidFill>
                       <a:srgbClr val="000000"/>
                     </a:solidFill>
@@ -11044,7 +11055,7 @@
               </a:ln>
               <a:extLst>
                 <a:ext uri="{91240B29-F687-4f45-9708-019B960494DF}">
-                  <a14:hiddenLine xmlns:a14="http://schemas.microsoft.com/office/drawing/2010/main" xmlns="" w="9525">
+                  <a14:hiddenLine xmlns="" xmlns:a14="http://schemas.microsoft.com/office/drawing/2010/main" w="9525">
                     <a:solidFill>
                       <a:srgbClr val="000000"/>
                     </a:solidFill>
@@ -11134,7 +11145,7 @@
               </a:ln>
               <a:extLst>
                 <a:ext uri="{91240B29-F687-4f45-9708-019B960494DF}">
-                  <a14:hiddenLine xmlns:a14="http://schemas.microsoft.com/office/drawing/2010/main" xmlns="" w="9525">
+                  <a14:hiddenLine xmlns="" xmlns:a14="http://schemas.microsoft.com/office/drawing/2010/main" w="9525">
                     <a:solidFill>
                       <a:srgbClr val="000000"/>
                     </a:solidFill>
@@ -11199,7 +11210,7 @@
               </a:ln>
               <a:extLst>
                 <a:ext uri="{91240B29-F687-4f45-9708-019B960494DF}">
-                  <a14:hiddenLine xmlns:a14="http://schemas.microsoft.com/office/drawing/2010/main" xmlns="" w="9525">
+                  <a14:hiddenLine xmlns="" xmlns:a14="http://schemas.microsoft.com/office/drawing/2010/main" w="9525">
                     <a:solidFill>
                       <a:srgbClr val="000000"/>
                     </a:solidFill>
@@ -11319,7 +11330,7 @@
               </a:ln>
               <a:extLst>
                 <a:ext uri="{91240B29-F687-4f45-9708-019B960494DF}">
-                  <a14:hiddenLine xmlns:a14="http://schemas.microsoft.com/office/drawing/2010/main" xmlns="" w="9525">
+                  <a14:hiddenLine xmlns="" xmlns:a14="http://schemas.microsoft.com/office/drawing/2010/main" w="9525">
                     <a:solidFill>
                       <a:srgbClr val="000000"/>
                     </a:solidFill>
@@ -11400,7 +11411,7 @@
               </a:ln>
               <a:extLst>
                 <a:ext uri="{91240B29-F687-4f45-9708-019B960494DF}">
-                  <a14:hiddenLine xmlns:a14="http://schemas.microsoft.com/office/drawing/2010/main" xmlns="" w="9525">
+                  <a14:hiddenLine xmlns="" xmlns:a14="http://schemas.microsoft.com/office/drawing/2010/main" w="9525">
                     <a:solidFill>
                       <a:srgbClr val="000000"/>
                     </a:solidFill>
@@ -11515,7 +11526,7 @@
               </a:ln>
               <a:extLst>
                 <a:ext uri="{91240B29-F687-4f45-9708-019B960494DF}">
-                  <a14:hiddenLine xmlns:a14="http://schemas.microsoft.com/office/drawing/2010/main" xmlns="" w="9525">
+                  <a14:hiddenLine xmlns="" xmlns:a14="http://schemas.microsoft.com/office/drawing/2010/main" w="9525">
                     <a:solidFill>
                       <a:srgbClr val="000000"/>
                     </a:solidFill>
@@ -11605,7 +11616,7 @@
               </a:ln>
               <a:extLst>
                 <a:ext uri="{91240B29-F687-4f45-9708-019B960494DF}">
-                  <a14:hiddenLine xmlns:a14="http://schemas.microsoft.com/office/drawing/2010/main" xmlns="" w="9525">
+                  <a14:hiddenLine xmlns="" xmlns:a14="http://schemas.microsoft.com/office/drawing/2010/main" w="9525">
                     <a:solidFill>
                       <a:srgbClr val="000000"/>
                     </a:solidFill>
@@ -11670,7 +11681,7 @@
               </a:ln>
               <a:extLst>
                 <a:ext uri="{91240B29-F687-4f45-9708-019B960494DF}">
-                  <a14:hiddenLine xmlns:a14="http://schemas.microsoft.com/office/drawing/2010/main" xmlns="" w="9525">
+                  <a14:hiddenLine xmlns="" xmlns:a14="http://schemas.microsoft.com/office/drawing/2010/main" w="9525">
                     <a:solidFill>
                       <a:srgbClr val="000000"/>
                     </a:solidFill>
@@ -11760,7 +11771,7 @@
               </a:ln>
               <a:extLst>
                 <a:ext uri="{91240B29-F687-4f45-9708-019B960494DF}">
-                  <a14:hiddenLine xmlns:a14="http://schemas.microsoft.com/office/drawing/2010/main" xmlns="" w="9525">
+                  <a14:hiddenLine xmlns="" xmlns:a14="http://schemas.microsoft.com/office/drawing/2010/main" w="9525">
                     <a:solidFill>
                       <a:srgbClr val="000000"/>
                     </a:solidFill>
@@ -11828,7 +11839,7 @@
               </a:ln>
               <a:extLst>
                 <a:ext uri="{91240B29-F687-4f45-9708-019B960494DF}">
-                  <a14:hiddenLine xmlns:a14="http://schemas.microsoft.com/office/drawing/2010/main" xmlns="" w="9525">
+                  <a14:hiddenLine xmlns="" xmlns:a14="http://schemas.microsoft.com/office/drawing/2010/main" w="9525">
                     <a:solidFill>
                       <a:srgbClr val="000000"/>
                     </a:solidFill>
@@ -11918,7 +11929,7 @@
               </a:ln>
               <a:extLst>
                 <a:ext uri="{91240B29-F687-4f45-9708-019B960494DF}">
-                  <a14:hiddenLine xmlns:a14="http://schemas.microsoft.com/office/drawing/2010/main" xmlns="" w="9525">
+                  <a14:hiddenLine xmlns="" xmlns:a14="http://schemas.microsoft.com/office/drawing/2010/main" w="9525">
                     <a:solidFill>
                       <a:srgbClr val="000000"/>
                     </a:solidFill>
@@ -11986,7 +11997,7 @@
               </a:ln>
               <a:extLst>
                 <a:ext uri="{91240B29-F687-4f45-9708-019B960494DF}">
-                  <a14:hiddenLine xmlns:a14="http://schemas.microsoft.com/office/drawing/2010/main" xmlns="" w="9525">
+                  <a14:hiddenLine xmlns="" xmlns:a14="http://schemas.microsoft.com/office/drawing/2010/main" w="9525">
                     <a:solidFill>
                       <a:srgbClr val="000000"/>
                     </a:solidFill>
@@ -12076,7 +12087,7 @@
               </a:ln>
               <a:extLst>
                 <a:ext uri="{91240B29-F687-4f45-9708-019B960494DF}">
-                  <a14:hiddenLine xmlns:a14="http://schemas.microsoft.com/office/drawing/2010/main" xmlns="" w="9525">
+                  <a14:hiddenLine xmlns="" xmlns:a14="http://schemas.microsoft.com/office/drawing/2010/main" w="9525">
                     <a:solidFill>
                       <a:srgbClr val="000000"/>
                     </a:solidFill>
@@ -12110,7 +12121,7 @@
               </a:ln>
               <a:extLst>
                 <a:ext uri="{91240B29-F687-4f45-9708-019B960494DF}">
-                  <a14:hiddenLine xmlns:a14="http://schemas.microsoft.com/office/drawing/2010/main" xmlns="" w="9525">
+                  <a14:hiddenLine xmlns="" xmlns:a14="http://schemas.microsoft.com/office/drawing/2010/main" w="9525">
                     <a:solidFill>
                       <a:srgbClr val="000000"/>
                     </a:solidFill>
@@ -12780,195 +12791,6 @@
 </p:sld>
 </file>
 
-<file path=ppt/slides/slide10.xml><?xml version="1.0" encoding="utf-8"?>
-<p:sld xmlns:a="http://schemas.openxmlformats.org/drawingml/2006/main" xmlns:r="http://schemas.openxmlformats.org/officeDocument/2006/relationships" xmlns:p="http://schemas.openxmlformats.org/presentationml/2006/main">
-  <p:cSld>
-    <p:bg>
-      <p:bgPr>
-        <a:blipFill dpi="0" rotWithShape="1">
-          <a:blip r:embed="rId2">
-            <a:alphaModFix amt="20000"/>
-            <a:lum/>
-          </a:blip>
-          <a:srcRect/>
-          <a:stretch>
-            <a:fillRect/>
-          </a:stretch>
-        </a:blipFill>
-        <a:effectLst/>
-      </p:bgPr>
-    </p:bg>
-    <p:spTree>
-      <p:nvGrpSpPr>
-        <p:cNvPr id="1" name=""/>
-        <p:cNvGrpSpPr/>
-        <p:nvPr/>
-      </p:nvGrpSpPr>
-      <p:grpSpPr>
-        <a:xfrm>
-          <a:off x="0" y="0"/>
-          <a:ext cx="0" cy="0"/>
-          <a:chOff x="0" y="0"/>
-          <a:chExt cx="0" cy="0"/>
-        </a:xfrm>
-      </p:grpSpPr>
-      <p:sp>
-        <p:nvSpPr>
-          <p:cNvPr id="2" name="Title 1">
-            <a:extLst>
-              <a:ext uri="{FF2B5EF4-FFF2-40B4-BE49-F238E27FC236}">
-                <a16:creationId xmlns:a16="http://schemas.microsoft.com/office/drawing/2014/main" id="{453E0CE5-D36E-43F8-B706-780D4C0BC3A4}"/>
-              </a:ext>
-            </a:extLst>
-          </p:cNvPr>
-          <p:cNvSpPr>
-            <a:spLocks noGrp="1"/>
-          </p:cNvSpPr>
-          <p:nvPr>
-            <p:ph type="title"/>
-          </p:nvPr>
-        </p:nvSpPr>
-        <p:spPr/>
-        <p:txBody>
-          <a:bodyPr/>
-          <a:lstStyle/>
-          <a:p>
-            <a:r>
-              <a:rPr lang="en-US">
-                <a:solidFill>
-                  <a:schemeClr val="bg1"/>
-                </a:solidFill>
-              </a:rPr>
-              <a:t>conclusions</a:t>
-            </a:r>
-            <a:endParaRPr lang="en-US" dirty="0">
-              <a:solidFill>
-                <a:schemeClr val="bg1"/>
-              </a:solidFill>
-            </a:endParaRPr>
-          </a:p>
-        </p:txBody>
-      </p:sp>
-      <p:sp>
-        <p:nvSpPr>
-          <p:cNvPr id="3" name="Content Placeholder 2">
-            <a:extLst>
-              <a:ext uri="{FF2B5EF4-FFF2-40B4-BE49-F238E27FC236}">
-                <a16:creationId xmlns:a16="http://schemas.microsoft.com/office/drawing/2014/main" id="{8E516A47-C12D-4A30-A858-1098C543DC33}"/>
-              </a:ext>
-            </a:extLst>
-          </p:cNvPr>
-          <p:cNvSpPr>
-            <a:spLocks noGrp="1"/>
-          </p:cNvSpPr>
-          <p:nvPr>
-            <p:ph idx="1"/>
-          </p:nvPr>
-        </p:nvSpPr>
-        <p:spPr/>
-        <p:txBody>
-          <a:bodyPr>
-            <a:normAutofit/>
-          </a:bodyPr>
-          <a:lstStyle/>
-          <a:p>
-            <a:r>
-              <a:rPr lang="en-US" dirty="0">
-                <a:solidFill>
-                  <a:schemeClr val="bg2">
-                    <a:lumMod val="75000"/>
-                  </a:schemeClr>
-                </a:solidFill>
-              </a:rPr>
-              <a:t>We do see a shift to more neutral sentiment after Inauguration Day, with decreases in positive </a:t>
-            </a:r>
-            <a:r>
-              <a:rPr lang="en-US">
-                <a:solidFill>
-                  <a:schemeClr val="bg2">
-                    <a:lumMod val="75000"/>
-                  </a:schemeClr>
-                </a:solidFill>
-              </a:rPr>
-              <a:t>and neutral</a:t>
-            </a:r>
-            <a:endParaRPr lang="en-US" dirty="0">
-              <a:solidFill>
-                <a:schemeClr val="bg2">
-                  <a:lumMod val="75000"/>
-                </a:schemeClr>
-              </a:solidFill>
-            </a:endParaRPr>
-          </a:p>
-          <a:p>
-            <a:r>
-              <a:rPr lang="en-US" dirty="0">
-                <a:solidFill>
-                  <a:schemeClr val="bg2">
-                    <a:lumMod val="75000"/>
-                  </a:schemeClr>
-                </a:solidFill>
-              </a:rPr>
-              <a:t>Hashtags on average were neutral</a:t>
-            </a:r>
-          </a:p>
-          <a:p>
-            <a:r>
-              <a:rPr lang="en-US" dirty="0">
-                <a:solidFill>
-                  <a:schemeClr val="bg2">
-                    <a:lumMod val="75000"/>
-                  </a:schemeClr>
-                </a:solidFill>
-              </a:rPr>
-              <a:t>Verified users are more likely to be sentiment neutral than unverified users</a:t>
-            </a:r>
-          </a:p>
-          <a:p>
-            <a:r>
-              <a:rPr lang="en-US" dirty="0">
-                <a:solidFill>
-                  <a:schemeClr val="bg2">
-                    <a:lumMod val="75000"/>
-                  </a:schemeClr>
-                </a:solidFill>
-              </a:rPr>
-              <a:t>New Twitter users since Feb. 2020 followed the same trend</a:t>
-            </a:r>
-          </a:p>
-          <a:p>
-            <a:endParaRPr lang="en-US" dirty="0">
-              <a:solidFill>
-                <a:schemeClr val="bg2">
-                  <a:lumMod val="75000"/>
-                </a:schemeClr>
-              </a:solidFill>
-            </a:endParaRPr>
-          </a:p>
-          <a:p>
-            <a:endParaRPr lang="en-US" dirty="0">
-              <a:solidFill>
-                <a:schemeClr val="bg2">
-                  <a:lumMod val="75000"/>
-                </a:schemeClr>
-              </a:solidFill>
-            </a:endParaRPr>
-          </a:p>
-        </p:txBody>
-      </p:sp>
-    </p:spTree>
-    <p:extLst>
-      <p:ext uri="{BB962C8B-B14F-4D97-AF65-F5344CB8AC3E}">
-        <p14:creationId xmlns:p14="http://schemas.microsoft.com/office/powerpoint/2010/main" val="1592997081"/>
-      </p:ext>
-    </p:extLst>
-  </p:cSld>
-  <p:clrMapOvr>
-    <a:masterClrMapping/>
-  </p:clrMapOvr>
-</p:sld>
-</file>
-
 <file path=ppt/slides/slide2.xml><?xml version="1.0" encoding="utf-8"?>
 <p:sld xmlns:a="http://schemas.openxmlformats.org/drawingml/2006/main" xmlns:r="http://schemas.openxmlformats.org/officeDocument/2006/relationships" xmlns:p="http://schemas.openxmlformats.org/presentationml/2006/main">
   <p:cSld>
@@ -13157,7 +12979,7 @@
                   <a:schemeClr val="bg1"/>
                 </a:solidFill>
               </a:rPr>
-              <a:t>Tools </a:t>
+              <a:t>Limitations/obstacles </a:t>
             </a:r>
           </a:p>
         </p:txBody>
@@ -13191,7 +13013,7 @@
                   </a:schemeClr>
                 </a:solidFill>
               </a:rPr>
-              <a:t>Pandas</a:t>
+              <a:t>Access to the Twitter Enterprise API costs $5,000/month</a:t>
             </a:r>
           </a:p>
           <a:p>
@@ -13203,7 +13025,7 @@
                   </a:schemeClr>
                 </a:solidFill>
               </a:rPr>
-              <a:t>CSS/Bootstrap</a:t>
+              <a:t>Limited capacity to perform API calls</a:t>
             </a:r>
           </a:p>
           <a:p>
@@ -13215,20 +13037,29 @@
                   </a:schemeClr>
                 </a:solidFill>
               </a:rPr>
-              <a:t>Tableau</a:t>
+              <a:t>No reliable geographic information about tweet origins</a:t>
             </a:r>
           </a:p>
           <a:p>
             <a:r>
-              <a:rPr lang="en-US">
+              <a:rPr lang="en-US" dirty="0">
                 <a:solidFill>
                   <a:schemeClr val="bg2">
                     <a:lumMod val="75000"/>
                   </a:schemeClr>
                 </a:solidFill>
               </a:rPr>
-              <a:t>Netlify</a:t>
+              <a:t>Slow response for access to low-rung Twitter API</a:t>
             </a:r>
+            <a:br>
+              <a:rPr lang="en-US" dirty="0">
+                <a:solidFill>
+                  <a:schemeClr val="bg2">
+                    <a:lumMod val="75000"/>
+                  </a:schemeClr>
+                </a:solidFill>
+              </a:rPr>
+            </a:br>
             <a:endParaRPr lang="en-US" dirty="0">
               <a:solidFill>
                 <a:schemeClr val="bg2">
@@ -13237,12 +13068,51 @@
               </a:solidFill>
             </a:endParaRPr>
           </a:p>
+          <a:p>
+            <a:endParaRPr lang="en-US" dirty="0">
+              <a:solidFill>
+                <a:schemeClr val="bg2">
+                  <a:lumMod val="75000"/>
+                </a:schemeClr>
+              </a:solidFill>
+            </a:endParaRPr>
+          </a:p>
         </p:txBody>
       </p:sp>
+      <p:pic>
+        <p:nvPicPr>
+          <p:cNvPr id="7" name="Picture 6" descr="Table&#10;&#10;Description automatically generated">
+            <a:extLst>
+              <a:ext uri="{FF2B5EF4-FFF2-40B4-BE49-F238E27FC236}">
+                <a16:creationId xmlns:a16="http://schemas.microsoft.com/office/drawing/2014/main" id="{E43ABD7D-B097-4CF5-9A4B-1352775B558B}"/>
+              </a:ext>
+            </a:extLst>
+          </p:cNvPr>
+          <p:cNvPicPr>
+            <a:picLocks noChangeAspect="1"/>
+          </p:cNvPicPr>
+          <p:nvPr/>
+        </p:nvPicPr>
+        <p:blipFill>
+          <a:blip r:embed="rId3"/>
+          <a:stretch>
+            <a:fillRect/>
+          </a:stretch>
+        </p:blipFill>
+        <p:spPr>
+          <a:xfrm>
+            <a:off x="7451449" y="3429000"/>
+            <a:ext cx="3273909" cy="3052366"/>
+          </a:xfrm>
+          <a:prstGeom prst="rect">
+            <a:avLst/>
+          </a:prstGeom>
+        </p:spPr>
+      </p:pic>
     </p:spTree>
     <p:extLst>
       <p:ext uri="{BB962C8B-B14F-4D97-AF65-F5344CB8AC3E}">
-        <p14:creationId xmlns:p14="http://schemas.microsoft.com/office/powerpoint/2010/main" val="3529716458"/>
+        <p14:creationId xmlns:p14="http://schemas.microsoft.com/office/powerpoint/2010/main" val="3688310994"/>
       </p:ext>
     </p:extLst>
   </p:cSld>
@@ -13311,7 +13181,7 @@
                   <a:schemeClr val="bg1"/>
                 </a:solidFill>
               </a:rPr>
-              <a:t>Limitations/obstacles </a:t>
+              <a:t>Solutions</a:t>
             </a:r>
           </a:p>
         </p:txBody>
@@ -13345,10 +13215,19 @@
                   </a:schemeClr>
                 </a:solidFill>
               </a:rPr>
-              <a:t>Access to the Twitter Enterprise API costs $5,000/month</a:t>
+              <a:t>Utilized a </a:t>
             </a:r>
-          </a:p>
-          <a:p>
+            <a:r>
+              <a:rPr lang="en-US" dirty="0">
+                <a:solidFill>
+                  <a:schemeClr val="bg2">
+                    <a:lumMod val="75000"/>
+                  </a:schemeClr>
+                </a:solidFill>
+                <a:hlinkClick r:id="rId3"/>
+              </a:rPr>
+              <a:t>tweet dataset</a:t>
+            </a:r>
             <a:r>
               <a:rPr lang="en-US" dirty="0">
                 <a:solidFill>
@@ -13357,8 +13236,25 @@
                   </a:schemeClr>
                 </a:solidFill>
               </a:rPr>
-              <a:t>Limited capacity to perform API calls</a:t>
+              <a:t>, found on Kaggle, compiled by data scientist Gabriel </a:t>
             </a:r>
+            <a:r>
+              <a:rPr lang="en-US" dirty="0" err="1">
+                <a:solidFill>
+                  <a:schemeClr val="bg2">
+                    <a:lumMod val="75000"/>
+                  </a:schemeClr>
+                </a:solidFill>
+              </a:rPr>
+              <a:t>Preda</a:t>
+            </a:r>
+            <a:endParaRPr lang="en-US" dirty="0">
+              <a:solidFill>
+                <a:schemeClr val="bg2">
+                  <a:lumMod val="75000"/>
+                </a:schemeClr>
+              </a:solidFill>
+            </a:endParaRPr>
           </a:p>
           <a:p>
             <a:r>
@@ -13369,7 +13265,7 @@
                   </a:schemeClr>
                 </a:solidFill>
               </a:rPr>
-              <a:t>No reliable geographic information about tweet origins</a:t>
+              <a:t>The dataset, had some likely weaknesses, but was updated twice during our work allowing us to pull tweet data from 20-Dec through 3-March.</a:t>
             </a:r>
           </a:p>
           <a:p>
@@ -13381,17 +13277,10 @@
                   </a:schemeClr>
                 </a:solidFill>
               </a:rPr>
-              <a:t>Slow response for access to low-rung Twitter API</a:t>
+              <a:t>All told, the dataset included 19,945 tweets</a:t>
             </a:r>
-            <a:br>
-              <a:rPr lang="en-US" dirty="0">
-                <a:solidFill>
-                  <a:schemeClr val="bg2">
-                    <a:lumMod val="75000"/>
-                  </a:schemeClr>
-                </a:solidFill>
-              </a:rPr>
-            </a:br>
+          </a:p>
+          <a:p>
             <a:endParaRPr lang="en-US" dirty="0">
               <a:solidFill>
                 <a:schemeClr val="bg2">
@@ -13400,51 +13289,12 @@
               </a:solidFill>
             </a:endParaRPr>
           </a:p>
-          <a:p>
-            <a:endParaRPr lang="en-US" dirty="0">
-              <a:solidFill>
-                <a:schemeClr val="bg2">
-                  <a:lumMod val="75000"/>
-                </a:schemeClr>
-              </a:solidFill>
-            </a:endParaRPr>
-          </a:p>
         </p:txBody>
       </p:sp>
-      <p:pic>
-        <p:nvPicPr>
-          <p:cNvPr id="7" name="Picture 6" descr="Table&#10;&#10;Description automatically generated">
-            <a:extLst>
-              <a:ext uri="{FF2B5EF4-FFF2-40B4-BE49-F238E27FC236}">
-                <a16:creationId xmlns:a16="http://schemas.microsoft.com/office/drawing/2014/main" id="{E43ABD7D-B097-4CF5-9A4B-1352775B558B}"/>
-              </a:ext>
-            </a:extLst>
-          </p:cNvPr>
-          <p:cNvPicPr>
-            <a:picLocks noChangeAspect="1"/>
-          </p:cNvPicPr>
-          <p:nvPr/>
-        </p:nvPicPr>
-        <p:blipFill>
-          <a:blip r:embed="rId3"/>
-          <a:stretch>
-            <a:fillRect/>
-          </a:stretch>
-        </p:blipFill>
-        <p:spPr>
-          <a:xfrm>
-            <a:off x="7451449" y="3429000"/>
-            <a:ext cx="3273909" cy="3052366"/>
-          </a:xfrm>
-          <a:prstGeom prst="rect">
-            <a:avLst/>
-          </a:prstGeom>
-        </p:spPr>
-      </p:pic>
     </p:spTree>
     <p:extLst>
       <p:ext uri="{BB962C8B-B14F-4D97-AF65-F5344CB8AC3E}">
-        <p14:creationId xmlns:p14="http://schemas.microsoft.com/office/powerpoint/2010/main" val="3688310994"/>
+        <p14:creationId xmlns:p14="http://schemas.microsoft.com/office/powerpoint/2010/main" val="705752475"/>
       </p:ext>
     </p:extLst>
   </p:cSld>
@@ -13513,7 +13363,7 @@
                   <a:schemeClr val="bg1"/>
                 </a:solidFill>
               </a:rPr>
-              <a:t>Solutions</a:t>
+              <a:t>Process</a:t>
             </a:r>
           </a:p>
         </p:txBody>
@@ -13536,7 +13386,9 @@
         </p:nvSpPr>
         <p:spPr/>
         <p:txBody>
-          <a:bodyPr/>
+          <a:bodyPr>
+            <a:normAutofit fontScale="92500" lnSpcReduction="10000"/>
+          </a:bodyPr>
           <a:lstStyle/>
           <a:p>
             <a:r>
@@ -13547,19 +13399,10 @@
                   </a:schemeClr>
                 </a:solidFill>
               </a:rPr>
-              <a:t>Utilized a </a:t>
+              <a:t>Compile tweets from December-March containing specific keywords</a:t>
             </a:r>
-            <a:r>
-              <a:rPr lang="en-US" dirty="0">
-                <a:solidFill>
-                  <a:schemeClr val="bg2">
-                    <a:lumMod val="75000"/>
-                  </a:schemeClr>
-                </a:solidFill>
-                <a:hlinkClick r:id="rId3"/>
-              </a:rPr>
-              <a:t>tweet dataset</a:t>
-            </a:r>
+          </a:p>
+          <a:p>
             <a:r>
               <a:rPr lang="en-US" dirty="0">
                 <a:solidFill>
@@ -13568,25 +13411,8 @@
                   </a:schemeClr>
                 </a:solidFill>
               </a:rPr>
-              <a:t>, found on Kaggle, compiled by data scientist Gabriel </a:t>
+              <a:t>Format data using Pandas </a:t>
             </a:r>
-            <a:r>
-              <a:rPr lang="en-US" dirty="0" err="1">
-                <a:solidFill>
-                  <a:schemeClr val="bg2">
-                    <a:lumMod val="75000"/>
-                  </a:schemeClr>
-                </a:solidFill>
-              </a:rPr>
-              <a:t>Preda</a:t>
-            </a:r>
-            <a:endParaRPr lang="en-US" dirty="0">
-              <a:solidFill>
-                <a:schemeClr val="bg2">
-                  <a:lumMod val="75000"/>
-                </a:schemeClr>
-              </a:solidFill>
-            </a:endParaRPr>
           </a:p>
           <a:p>
             <a:r>
@@ -13597,7 +13423,7 @@
                   </a:schemeClr>
                 </a:solidFill>
               </a:rPr>
-              <a:t>The dataset, had some likely weaknesses, but was updated twice during our work allowing us to pull tweet data from 20-Dec through 3-March.</a:t>
+              <a:t>Run sentiment analysis VADER</a:t>
             </a:r>
           </a:p>
           <a:p>
@@ -13609,24 +13435,51 @@
                   </a:schemeClr>
                 </a:solidFill>
               </a:rPr>
-              <a:t>All told, the dataset included 19,945 tweets</a:t>
+              <a:t>Create and app and webpage to house it</a:t>
             </a:r>
           </a:p>
           <a:p>
-            <a:endParaRPr lang="en-US" dirty="0">
-              <a:solidFill>
-                <a:schemeClr val="bg2">
-                  <a:lumMod val="75000"/>
-                </a:schemeClr>
-              </a:solidFill>
-            </a:endParaRPr>
+            <a:r>
+              <a:rPr lang="en-US" dirty="0">
+                <a:solidFill>
+                  <a:schemeClr val="bg2">
+                    <a:lumMod val="75000"/>
+                  </a:schemeClr>
+                </a:solidFill>
+              </a:rPr>
+              <a:t>Create visualizations using Tableau</a:t>
+            </a:r>
+          </a:p>
+          <a:p>
+            <a:r>
+              <a:rPr lang="en-US" dirty="0">
+                <a:solidFill>
+                  <a:schemeClr val="bg2">
+                    <a:lumMod val="75000"/>
+                  </a:schemeClr>
+                </a:solidFill>
+              </a:rPr>
+              <a:t>Analyze findings</a:t>
+            </a:r>
+          </a:p>
+          <a:p>
+            <a:r>
+              <a:rPr lang="en-US" dirty="0">
+                <a:solidFill>
+                  <a:schemeClr val="bg2">
+                    <a:lumMod val="75000"/>
+                  </a:schemeClr>
+                </a:solidFill>
+              </a:rPr>
+              <a:t>Deploy project through Netlify</a:t>
+            </a:r>
           </a:p>
         </p:txBody>
       </p:sp>
     </p:spTree>
     <p:extLst>
       <p:ext uri="{BB962C8B-B14F-4D97-AF65-F5344CB8AC3E}">
-        <p14:creationId xmlns:p14="http://schemas.microsoft.com/office/powerpoint/2010/main" val="705752475"/>
+        <p14:creationId xmlns:p14="http://schemas.microsoft.com/office/powerpoint/2010/main" val="3688840791"/>
       </p:ext>
     </p:extLst>
   </p:cSld>
@@ -13695,8 +13548,21 @@
                   <a:schemeClr val="bg1"/>
                 </a:solidFill>
               </a:rPr>
-              <a:t>Process</a:t>
+              <a:t>Determining Sentiment - </a:t>
             </a:r>
+            <a:r>
+              <a:rPr lang="en-US" dirty="0" err="1">
+                <a:solidFill>
+                  <a:schemeClr val="bg1"/>
+                </a:solidFill>
+              </a:rPr>
+              <a:t>vader</a:t>
+            </a:r>
+            <a:endParaRPr lang="en-US" dirty="0">
+              <a:solidFill>
+                <a:schemeClr val="bg1"/>
+              </a:solidFill>
+            </a:endParaRPr>
           </a:p>
         </p:txBody>
       </p:sp>
@@ -13719,7 +13585,7 @@
         <p:spPr/>
         <p:txBody>
           <a:bodyPr>
-            <a:normAutofit fontScale="92500" lnSpcReduction="10000"/>
+            <a:normAutofit/>
           </a:bodyPr>
           <a:lstStyle/>
           <a:p>
@@ -13731,10 +13597,18 @@
                   </a:schemeClr>
                 </a:solidFill>
               </a:rPr>
-              <a:t>Compile tweets from December-March containing specific keywords</a:t>
+              <a:t>VADER = Valence Aware Dictionary and </a:t>
             </a:r>
-          </a:p>
-          <a:p>
+            <a:r>
+              <a:rPr lang="en-US" dirty="0" err="1">
+                <a:solidFill>
+                  <a:schemeClr val="bg2">
+                    <a:lumMod val="75000"/>
+                  </a:schemeClr>
+                </a:solidFill>
+              </a:rPr>
+              <a:t>sEntiment</a:t>
+            </a:r>
             <a:r>
               <a:rPr lang="en-US" dirty="0">
                 <a:solidFill>
@@ -13743,7 +13617,7 @@
                   </a:schemeClr>
                 </a:solidFill>
               </a:rPr>
-              <a:t>Format data using Pandas </a:t>
+              <a:t> Reasoner</a:t>
             </a:r>
           </a:p>
           <a:p>
@@ -13755,7 +13629,7 @@
                   </a:schemeClr>
                 </a:solidFill>
               </a:rPr>
-              <a:t>Run sentiment analysis VADER</a:t>
+              <a:t>Open-source lexicon &amp; rule-based sentiment analysis tool specifically attuned to sentiments expressed in social media</a:t>
             </a:r>
           </a:p>
           <a:p>
@@ -13767,51 +13641,44 @@
                   </a:schemeClr>
                 </a:solidFill>
               </a:rPr>
-              <a:t>Create and app and webpage to house it</a:t>
+              <a:t>https://github.com/cjhutto/vaderSentiment</a:t>
             </a:r>
-          </a:p>
-          <a:p>
+            <a:endParaRPr lang="en-US" sz="1500" b="0" i="1" dirty="0">
+              <a:solidFill>
+                <a:srgbClr val="797979"/>
+              </a:solidFill>
+              <a:effectLst/>
+            </a:endParaRPr>
+          </a:p>
+          <a:p>
+            <a:pPr marL="0" indent="0">
+              <a:buNone/>
+            </a:pPr>
             <a:r>
-              <a:rPr lang="en-US" dirty="0">
+              <a:rPr lang="en-US" sz="1500" b="0" i="1" dirty="0">
                 <a:solidFill>
                   <a:schemeClr val="bg2">
                     <a:lumMod val="75000"/>
                   </a:schemeClr>
                 </a:solidFill>
+                <a:effectLst/>
               </a:rPr>
-              <a:t>Create visualizations using Tableau</a:t>
+              <a:t>Hutto, C.J. &amp; Gilbert, E.E. (2014). VADER: A Parsimonious Rule-based Model for Sentiment Analysis of Social Media Text. Eighth International Conference on Weblogs and Social Media (ICWSM-14). Ann Arbor, MI, June 2014.</a:t>
             </a:r>
-          </a:p>
-          <a:p>
-            <a:r>
-              <a:rPr lang="en-US" dirty="0">
-                <a:solidFill>
-                  <a:schemeClr val="bg2">
-                    <a:lumMod val="75000"/>
-                  </a:schemeClr>
-                </a:solidFill>
-              </a:rPr>
-              <a:t>Analyze findings</a:t>
-            </a:r>
-          </a:p>
-          <a:p>
-            <a:r>
-              <a:rPr lang="en-US" dirty="0">
-                <a:solidFill>
-                  <a:schemeClr val="bg2">
-                    <a:lumMod val="75000"/>
-                  </a:schemeClr>
-                </a:solidFill>
-              </a:rPr>
-              <a:t>Deploy project through Netlify</a:t>
-            </a:r>
+            <a:endParaRPr lang="en-US" sz="1500" dirty="0">
+              <a:solidFill>
+                <a:schemeClr val="bg2">
+                  <a:lumMod val="75000"/>
+                </a:schemeClr>
+              </a:solidFill>
+            </a:endParaRPr>
           </a:p>
         </p:txBody>
       </p:sp>
     </p:spTree>
     <p:extLst>
       <p:ext uri="{BB962C8B-B14F-4D97-AF65-F5344CB8AC3E}">
-        <p14:creationId xmlns:p14="http://schemas.microsoft.com/office/powerpoint/2010/main" val="3688840791"/>
+        <p14:creationId xmlns:p14="http://schemas.microsoft.com/office/powerpoint/2010/main" val="2681568414"/>
       </p:ext>
     </p:extLst>
   </p:cSld>
@@ -13880,21 +13747,8 @@
                   <a:schemeClr val="bg1"/>
                 </a:solidFill>
               </a:rPr>
-              <a:t>Determining Sentiment - </a:t>
+              <a:t>deployment</a:t>
             </a:r>
-            <a:r>
-              <a:rPr lang="en-US" dirty="0" err="1">
-                <a:solidFill>
-                  <a:schemeClr val="bg1"/>
-                </a:solidFill>
-              </a:rPr>
-              <a:t>vader</a:t>
-            </a:r>
-            <a:endParaRPr lang="en-US" dirty="0">
-              <a:solidFill>
-                <a:schemeClr val="bg1"/>
-              </a:solidFill>
-            </a:endParaRPr>
           </a:p>
         </p:txBody>
       </p:sp>
@@ -13929,18 +13783,10 @@
                   </a:schemeClr>
                 </a:solidFill>
               </a:rPr>
-              <a:t>VADER = Valence Aware Dictionary and </a:t>
+              <a:t>Static Website deployed through Netlify</a:t>
             </a:r>
-            <a:r>
-              <a:rPr lang="en-US" dirty="0" err="1">
-                <a:solidFill>
-                  <a:schemeClr val="bg2">
-                    <a:lumMod val="75000"/>
-                  </a:schemeClr>
-                </a:solidFill>
-              </a:rPr>
-              <a:t>sEntiment</a:t>
-            </a:r>
+          </a:p>
+          <a:p>
             <a:r>
               <a:rPr lang="en-US" dirty="0">
                 <a:solidFill>
@@ -13949,7 +13795,7 @@
                   </a:schemeClr>
                 </a:solidFill>
               </a:rPr>
-              <a:t> Reasoner</a:t>
+              <a:t>Embedding of Tableau visuals (JS)</a:t>
             </a:r>
           </a:p>
           <a:p>
@@ -13961,43 +13807,11 @@
                   </a:schemeClr>
                 </a:solidFill>
               </a:rPr>
-              <a:t>Open-source lexicon &amp; rule-based sentiment analysis tool specifically attuned to sentiments expressed in social media</a:t>
+              <a:t>Base HTML page/CSS/Bootstrap</a:t>
             </a:r>
           </a:p>
           <a:p>
-            <a:r>
-              <a:rPr lang="en-US" dirty="0">
-                <a:solidFill>
-                  <a:schemeClr val="bg2">
-                    <a:lumMod val="75000"/>
-                  </a:schemeClr>
-                </a:solidFill>
-              </a:rPr>
-              <a:t>https://github.com/cjhutto/vaderSentiment</a:t>
-            </a:r>
-            <a:endParaRPr lang="en-US" sz="1500" b="0" i="1" dirty="0">
-              <a:solidFill>
-                <a:srgbClr val="797979"/>
-              </a:solidFill>
-              <a:effectLst/>
-            </a:endParaRPr>
-          </a:p>
-          <a:p>
-            <a:pPr marL="0" indent="0">
-              <a:buNone/>
-            </a:pPr>
-            <a:r>
-              <a:rPr lang="en-US" sz="1500" b="0" i="1" dirty="0">
-                <a:solidFill>
-                  <a:schemeClr val="bg2">
-                    <a:lumMod val="75000"/>
-                  </a:schemeClr>
-                </a:solidFill>
-                <a:effectLst/>
-              </a:rPr>
-              <a:t>Hutto, C.J. &amp; Gilbert, E.E. (2014). VADER: A Parsimonious Rule-based Model for Sentiment Analysis of Social Media Text. Eighth International Conference on Weblogs and Social Media (ICWSM-14). Ann Arbor, MI, June 2014.</a:t>
-            </a:r>
-            <a:endParaRPr lang="en-US" sz="1500" dirty="0">
+            <a:endParaRPr lang="en-US" dirty="0">
               <a:solidFill>
                 <a:schemeClr val="bg2">
                   <a:lumMod val="75000"/>
@@ -14010,7 +13824,7 @@
     </p:spTree>
     <p:extLst>
       <p:ext uri="{BB962C8B-B14F-4D97-AF65-F5344CB8AC3E}">
-        <p14:creationId xmlns:p14="http://schemas.microsoft.com/office/powerpoint/2010/main" val="2681568414"/>
+        <p14:creationId xmlns:p14="http://schemas.microsoft.com/office/powerpoint/2010/main" val="1305285333"/>
       </p:ext>
     </p:extLst>
   </p:cSld>
@@ -14079,7 +13893,7 @@
                   <a:schemeClr val="bg1"/>
                 </a:solidFill>
               </a:rPr>
-              <a:t>deployment</a:t>
+              <a:t>Tools </a:t>
             </a:r>
           </a:p>
         </p:txBody>
@@ -14102,10 +13916,44 @@
         </p:nvSpPr>
         <p:spPr/>
         <p:txBody>
-          <a:bodyPr>
-            <a:normAutofit/>
-          </a:bodyPr>
+          <a:bodyPr/>
           <a:lstStyle/>
+          <a:p>
+            <a:r>
+              <a:rPr lang="en-US" dirty="0">
+                <a:solidFill>
+                  <a:schemeClr val="bg2">
+                    <a:lumMod val="75000"/>
+                  </a:schemeClr>
+                </a:solidFill>
+              </a:rPr>
+              <a:t>Pandas</a:t>
+            </a:r>
+          </a:p>
+          <a:p>
+            <a:r>
+              <a:rPr lang="en-US" dirty="0">
+                <a:solidFill>
+                  <a:schemeClr val="bg2">
+                    <a:lumMod val="75000"/>
+                  </a:schemeClr>
+                </a:solidFill>
+              </a:rPr>
+              <a:t>CSS/Bootstrap</a:t>
+            </a:r>
+          </a:p>
+          <a:p>
+            <a:r>
+              <a:rPr lang="en-US" dirty="0">
+                <a:solidFill>
+                  <a:schemeClr val="bg2">
+                    <a:lumMod val="75000"/>
+                  </a:schemeClr>
+                </a:solidFill>
+              </a:rPr>
+              <a:t>Tableau</a:t>
+            </a:r>
+          </a:p>
           <a:p>
             <a:r>
               <a:rPr lang="en-US">
@@ -14115,13 +13963,14 @@
                   </a:schemeClr>
                 </a:solidFill>
               </a:rPr>
-              <a:t>De</a:t>
+              <a:t>Netlify</a:t>
             </a:r>
-            <a:endParaRPr lang="en-US" sz="1500" b="0" i="1" dirty="0">
+            <a:endParaRPr lang="en-US" dirty="0">
               <a:solidFill>
-                <a:srgbClr val="797979"/>
+                <a:schemeClr val="bg2">
+                  <a:lumMod val="75000"/>
+                </a:schemeClr>
               </a:solidFill>
-              <a:effectLst/>
             </a:endParaRPr>
           </a:p>
         </p:txBody>
@@ -14129,7 +13978,7 @@
     </p:spTree>
     <p:extLst>
       <p:ext uri="{BB962C8B-B14F-4D97-AF65-F5344CB8AC3E}">
-        <p14:creationId xmlns:p14="http://schemas.microsoft.com/office/powerpoint/2010/main" val="1305285333"/>
+        <p14:creationId xmlns:p14="http://schemas.microsoft.com/office/powerpoint/2010/main" val="3529716458"/>
       </p:ext>
     </p:extLst>
   </p:cSld>
@@ -14193,13 +14042,18 @@
           <a:lstStyle/>
           <a:p>
             <a:r>
-              <a:rPr lang="en-US" dirty="0">
+              <a:rPr lang="en-US">
                 <a:solidFill>
                   <a:schemeClr val="bg1"/>
                 </a:solidFill>
               </a:rPr>
-              <a:t>Findings</a:t>
+              <a:t>conclusions</a:t>
             </a:r>
+            <a:endParaRPr lang="en-US" dirty="0">
+              <a:solidFill>
+                <a:schemeClr val="bg1"/>
+              </a:solidFill>
+            </a:endParaRPr>
           </a:p>
         </p:txBody>
       </p:sp>
@@ -14234,15 +14088,89 @@
                   </a:schemeClr>
                 </a:solidFill>
               </a:rPr>
-              <a:t>We see spikes</a:t>
+              <a:t>We do see a shift to more neutral sentiment after Inauguration Day, with decreases in positive and neutral</a:t>
             </a:r>
+          </a:p>
+          <a:p>
+            <a:r>
+              <a:rPr lang="en-US" dirty="0">
+                <a:solidFill>
+                  <a:schemeClr val="bg2">
+                    <a:lumMod val="75000"/>
+                  </a:schemeClr>
+                </a:solidFill>
+              </a:rPr>
+              <a:t>Tweets and hashtags on average were neutral</a:t>
+            </a:r>
+          </a:p>
+          <a:p>
+            <a:r>
+              <a:rPr lang="en-US" dirty="0">
+                <a:solidFill>
+                  <a:schemeClr val="bg2">
+                    <a:lumMod val="75000"/>
+                  </a:schemeClr>
+                </a:solidFill>
+              </a:rPr>
+              <a:t>Verified users are more likely to be sentiment neutral than unverified users</a:t>
+            </a:r>
+          </a:p>
+          <a:p>
+            <a:r>
+              <a:rPr lang="en-US" dirty="0">
+                <a:solidFill>
+                  <a:schemeClr val="bg2">
+                    <a:lumMod val="75000"/>
+                  </a:schemeClr>
+                </a:solidFill>
+              </a:rPr>
+              <a:t>We could’ve drawn more definitive conclusions with access to a larger </a:t>
+            </a:r>
+            <a:r>
+              <a:rPr lang="en-US">
+                <a:solidFill>
+                  <a:schemeClr val="bg2">
+                    <a:lumMod val="75000"/>
+                  </a:schemeClr>
+                </a:solidFill>
+              </a:rPr>
+              <a:t>data set</a:t>
+            </a:r>
+            <a:endParaRPr lang="en-US" dirty="0">
+              <a:solidFill>
+                <a:schemeClr val="bg2">
+                  <a:lumMod val="75000"/>
+                </a:schemeClr>
+              </a:solidFill>
+            </a:endParaRPr>
+          </a:p>
+          <a:p>
+            <a:pPr marL="0" indent="0">
+              <a:buNone/>
+            </a:pPr>
+            <a:endParaRPr lang="en-US" dirty="0">
+              <a:solidFill>
+                <a:schemeClr val="bg2">
+                  <a:lumMod val="75000"/>
+                </a:schemeClr>
+              </a:solidFill>
+            </a:endParaRPr>
+          </a:p>
+          <a:p>
+            <a:endParaRPr lang="en-US" dirty="0">
+              <a:solidFill>
+                <a:schemeClr val="bg2">
+                  <a:lumMod val="75000"/>
+                </a:schemeClr>
+              </a:solidFill>
+            </a:endParaRPr>
           </a:p>
         </p:txBody>
       </p:sp>
     </p:spTree>
     <p:extLst>
       <p:ext uri="{BB962C8B-B14F-4D97-AF65-F5344CB8AC3E}">
-        <p14:creationId xmlns:p14="http://schemas.microsoft.com/office/powerpoint/2010/main" val="3780492875"/>
+        <p14:creationId xmlns:p14="http://schemas.microsoft.com/office/powerpoint/2010/main" val="1592997081"/>
       </p:ext>
     </p:extLst>
   </p:cSld>
